--- a/interoperability/Putting structured data into individual entry pages in biological database/20181112presentation3.pptx
+++ b/interoperability/Putting structured data into individual entry pages in biological database/20181112presentation3.pptx
@@ -275,6 +275,114 @@
 </p:presentation>
 </file>
 
+<file path=ppt/commentAuthors.xml><?xml version="1.0" encoding="utf-8"?>
+<p:cmAuthorLst xmlns:a="http://schemas.openxmlformats.org/drawingml/2006/main" xmlns:r="http://schemas.openxmlformats.org/officeDocument/2006/relationships" xmlns:p="http://schemas.openxmlformats.org/presentationml/2006/main">
+  <p:cmAuthor id="1" name="NBDC バイオサイエンスデータベースセンター" initials="Nバ" lastIdx="10" clrIdx="0">
+    <p:extLst>
+      <p:ext uri="{19B8F6BF-5375-455C-9EA6-DF929625EA0E}">
+        <p15:presenceInfo xmlns:p15="http://schemas.microsoft.com/office/powerpoint/2012/main" userId="71c6727dedf4a53e" providerId="Windows Live"/>
+      </p:ext>
+    </p:extLst>
+  </p:cmAuthor>
+  <p:cmAuthor id="2" name="大波 純一" initials="大波" lastIdx="6" clrIdx="1">
+    <p:extLst>
+      <p:ext uri="{19B8F6BF-5375-455C-9EA6-DF929625EA0E}">
+        <p15:presenceInfo xmlns:p15="http://schemas.microsoft.com/office/powerpoint/2012/main" userId="4f0c31a438e79d9e" providerId="Windows Live"/>
+      </p:ext>
+    </p:extLst>
+  </p:cmAuthor>
+</p:cmAuthorLst>
+</file>
+
+<file path=ppt/comments/comment1.xml><?xml version="1.0" encoding="utf-8"?>
+<p:cmLst xmlns:a="http://schemas.openxmlformats.org/drawingml/2006/main" xmlns:r="http://schemas.openxmlformats.org/officeDocument/2006/relationships" xmlns:p="http://schemas.openxmlformats.org/presentationml/2006/main">
+  <p:cm authorId="1" dt="2018-11-06T11:30:38.313" idx="7">
+    <p:pos x="10" y="10"/>
+    <p:text>何を説明すればよいですか？</p:text>
+    <p:extLst>
+      <p:ext uri="{C676402C-5697-4E1C-873F-D02D1690AC5C}">
+        <p15:threadingInfo xmlns:p15="http://schemas.microsoft.com/office/powerpoint/2012/main" timeZoneBias="-540"/>
+      </p:ext>
+    </p:extLst>
+  </p:cm>
+  <p:cm authorId="2" dt="2018-11-08T12:10:40.534" idx="4">
+    <p:pos x="10" y="146"/>
+    <p:text>例えば、「Google検索以外にMarkup schemaが上手く活用されている例があるか？」と聞かれた時に例の一つとして、このスライドと次の例を出すのが良いと思います。</p:text>
+    <p:extLst>
+      <p:ext uri="{C676402C-5697-4E1C-873F-D02D1690AC5C}">
+        <p15:threadingInfo xmlns:p15="http://schemas.microsoft.com/office/powerpoint/2012/main" timeZoneBias="-540">
+          <p15:parentCm authorId="1" idx="7"/>
+        </p15:threadingInfo>
+      </p:ext>
+    </p:extLst>
+  </p:cm>
+</p:cmLst>
+</file>
+
+<file path=ppt/comments/comment2.xml><?xml version="1.0" encoding="utf-8"?>
+<p:cmLst xmlns:a="http://schemas.openxmlformats.org/drawingml/2006/main" xmlns:r="http://schemas.openxmlformats.org/officeDocument/2006/relationships" xmlns:p="http://schemas.openxmlformats.org/presentationml/2006/main">
+  <p:cm authorId="1" dt="2018-11-06T11:31:00.347" idx="8">
+    <p:pos x="10" y="10"/>
+    <p:text>何を説明すればよいですか？</p:text>
+    <p:extLst>
+      <p:ext uri="{C676402C-5697-4E1C-873F-D02D1690AC5C}">
+        <p15:threadingInfo xmlns:p15="http://schemas.microsoft.com/office/powerpoint/2012/main" timeZoneBias="-540"/>
+      </p:ext>
+    </p:extLst>
+  </p:cm>
+</p:cmLst>
+</file>
+
+<file path=ppt/comments/comment3.xml><?xml version="1.0" encoding="utf-8"?>
+<p:cmLst xmlns:a="http://schemas.openxmlformats.org/drawingml/2006/main" xmlns:r="http://schemas.openxmlformats.org/officeDocument/2006/relationships" xmlns:p="http://schemas.openxmlformats.org/presentationml/2006/main">
+  <p:cm authorId="1" dt="2018-11-06T11:31:05.781" idx="9">
+    <p:pos x="10" y="10"/>
+    <p:text>何を説明すればよいですか？</p:text>
+    <p:extLst>
+      <p:ext uri="{C676402C-5697-4E1C-873F-D02D1690AC5C}">
+        <p15:threadingInfo xmlns:p15="http://schemas.microsoft.com/office/powerpoint/2012/main" timeZoneBias="-540"/>
+      </p:ext>
+    </p:extLst>
+  </p:cm>
+  <p:cm authorId="2" dt="2018-11-08T12:11:40.247" idx="5">
+    <p:pos x="10" y="146"/>
+    <p:text>FAIRsharing.orgで使われているスキーマは、CreativeWorkのDatasetであるという、スキーマ選択の一例として見せるのが良いと思います。</p:text>
+    <p:extLst>
+      <p:ext uri="{C676402C-5697-4E1C-873F-D02D1690AC5C}">
+        <p15:threadingInfo xmlns:p15="http://schemas.microsoft.com/office/powerpoint/2012/main" timeZoneBias="-540">
+          <p15:parentCm authorId="1" idx="9"/>
+        </p15:threadingInfo>
+      </p:ext>
+    </p:extLst>
+  </p:cm>
+</p:cmLst>
+</file>
+
+<file path=ppt/comments/comment4.xml><?xml version="1.0" encoding="utf-8"?>
+<p:cmLst xmlns:a="http://schemas.openxmlformats.org/drawingml/2006/main" xmlns:r="http://schemas.openxmlformats.org/officeDocument/2006/relationships" xmlns:p="http://schemas.openxmlformats.org/presentationml/2006/main">
+  <p:cm authorId="1" dt="2018-11-06T11:31:11.811" idx="10">
+    <p:pos x="10" y="10"/>
+    <p:text>何を説明すればよいですか？</p:text>
+    <p:extLst>
+      <p:ext uri="{C676402C-5697-4E1C-873F-D02D1690AC5C}">
+        <p15:threadingInfo xmlns:p15="http://schemas.microsoft.com/office/powerpoint/2012/main" timeZoneBias="-540"/>
+      </p:ext>
+    </p:extLst>
+  </p:cm>
+  <p:cm authorId="2" dt="2018-11-08T12:12:06.382" idx="6">
+    <p:pos x="10" y="146"/>
+    <p:text>Uniprotのスキーマの例ですが、詳しくは八塚さんにご説明いただければと思います。</p:text>
+    <p:extLst>
+      <p:ext uri="{C676402C-5697-4E1C-873F-D02D1690AC5C}">
+        <p15:threadingInfo xmlns:p15="http://schemas.microsoft.com/office/powerpoint/2012/main" timeZoneBias="-540">
+          <p15:parentCm authorId="1" idx="10"/>
+        </p15:threadingInfo>
+      </p:ext>
+    </p:extLst>
+  </p:cm>
+</p:cmLst>
+</file>
+
 <file path=ppt/notesMasters/notesMaster1.xml><?xml version="1.0" encoding="utf-8"?>
 <p:notesMaster xmlns:a="http://schemas.openxmlformats.org/drawingml/2006/main" xmlns:r="http://schemas.openxmlformats.org/officeDocument/2006/relationships" xmlns:p="http://schemas.openxmlformats.org/presentationml/2006/main">
   <p:cSld>
@@ -811,7 +919,68 @@
               </a:spcAft>
               <a:buNone/>
             </a:pPr>
-            <a:endParaRPr/>
+            <a:r>
+              <a:rPr lang="en-US" altLang="ja-JP" dirty="0"/>
+              <a:t>Hi everyone,</a:t>
+            </a:r>
+          </a:p>
+          <a:p>
+            <a:pPr marL="0" lvl="0" indent="0" algn="l" rtl="0">
+              <a:spcBef>
+                <a:spcPts val="0"/>
+              </a:spcBef>
+              <a:spcAft>
+                <a:spcPts val="0"/>
+              </a:spcAft>
+              <a:buNone/>
+            </a:pPr>
+            <a:r>
+              <a:rPr lang="en-US" altLang="ja-JP" dirty="0"/>
+              <a:t>Our</a:t>
+            </a:r>
+            <a:r>
+              <a:rPr lang="en-US" altLang="ja-JP" baseline="0" dirty="0"/>
+              <a:t> Hackathon Theme is,</a:t>
+            </a:r>
+          </a:p>
+          <a:p>
+            <a:pPr marL="0" lvl="0" indent="0" algn="l" rtl="0">
+              <a:spcBef>
+                <a:spcPts val="0"/>
+              </a:spcBef>
+              <a:spcAft>
+                <a:spcPts val="0"/>
+              </a:spcAft>
+              <a:buNone/>
+            </a:pPr>
+            <a:r>
+              <a:rPr lang="en-US" altLang="ja-JP" dirty="0"/>
+              <a:t>"Putting structured data into individual entry pages in biological databases and tools"</a:t>
+            </a:r>
+          </a:p>
+          <a:p>
+            <a:pPr marL="0" lvl="0" indent="0" algn="l" rtl="0">
+              <a:spcBef>
+                <a:spcPts val="0"/>
+              </a:spcBef>
+              <a:spcAft>
+                <a:spcPts val="0"/>
+              </a:spcAft>
+              <a:buNone/>
+            </a:pPr>
+            <a:endParaRPr lang="en-US" altLang="ja-JP" dirty="0"/>
+          </a:p>
+          <a:p>
+            <a:pPr marL="0" lvl="0" indent="0" algn="l" rtl="0">
+              <a:spcBef>
+                <a:spcPts val="0"/>
+              </a:spcBef>
+              <a:spcAft>
+                <a:spcPts val="0"/>
+              </a:spcAft>
+              <a:buNone/>
+            </a:pPr>
+            <a:endParaRPr dirty="0"/>
           </a:p>
         </p:txBody>
       </p:sp>
@@ -828,7 +997,588 @@
 </p:notes>
 </file>
 
+<file path=ppt/notesSlides/notesSlide10.xml><?xml version="1.0" encoding="utf-8"?>
+<p:notes xmlns:a="http://schemas.openxmlformats.org/drawingml/2006/main" xmlns:r="http://schemas.openxmlformats.org/officeDocument/2006/relationships" xmlns:p="http://schemas.openxmlformats.org/presentationml/2006/main">
+  <p:cSld>
+    <p:spTree>
+      <p:nvGrpSpPr>
+        <p:cNvPr id="1" name=""/>
+        <p:cNvGrpSpPr/>
+        <p:nvPr/>
+      </p:nvGrpSpPr>
+      <p:grpSpPr>
+        <a:xfrm>
+          <a:off x="0" y="0"/>
+          <a:ext cx="0" cy="0"/>
+          <a:chOff x="0" y="0"/>
+          <a:chExt cx="0" cy="0"/>
+        </a:xfrm>
+      </p:grpSpPr>
+      <p:sp>
+        <p:nvSpPr>
+          <p:cNvPr id="2" name="スライド イメージ プレースホルダー 1"/>
+          <p:cNvSpPr>
+            <a:spLocks noGrp="1" noRot="1" noChangeAspect="1"/>
+          </p:cNvSpPr>
+          <p:nvPr>
+            <p:ph type="sldImg"/>
+          </p:nvPr>
+        </p:nvSpPr>
+        <p:spPr>
+          <a:xfrm>
+            <a:off x="381000" y="685800"/>
+            <a:ext cx="6096000" cy="3429000"/>
+          </a:xfrm>
+        </p:spPr>
+      </p:sp>
+      <p:sp>
+        <p:nvSpPr>
+          <p:cNvPr id="3" name="ノート プレースホルダー 2"/>
+          <p:cNvSpPr>
+            <a:spLocks noGrp="1"/>
+          </p:cNvSpPr>
+          <p:nvPr>
+            <p:ph type="body" idx="1"/>
+          </p:nvPr>
+        </p:nvSpPr>
+        <p:spPr/>
+        <p:txBody>
+          <a:bodyPr/>
+          <a:lstStyle/>
+          <a:p>
+            <a:pPr marL="158750" indent="0">
+              <a:buNone/>
+            </a:pPr>
+            <a:r>
+              <a:rPr kumimoji="1" lang="en-US" altLang="ja-JP" dirty="0"/>
+              <a:t>Our</a:t>
+            </a:r>
+            <a:r>
+              <a:rPr kumimoji="1" lang="en-US" altLang="ja-JP" baseline="0" dirty="0"/>
+              <a:t> hacking schedule is like this.</a:t>
+            </a:r>
+          </a:p>
+          <a:p>
+            <a:pPr marL="158750" indent="0">
+              <a:buNone/>
+            </a:pPr>
+            <a:r>
+              <a:rPr kumimoji="1" lang="en-US" altLang="ja-JP" baseline="0" dirty="0"/>
+              <a:t> November 13rd. discussion about schema for biological databases and tools</a:t>
+            </a:r>
+          </a:p>
+          <a:p>
+            <a:pPr marL="158750" indent="0">
+              <a:buNone/>
+            </a:pPr>
+            <a:r>
+              <a:rPr kumimoji="1" lang="en-US" altLang="ja-JP" baseline="0" dirty="0"/>
+              <a:t> November 14th. discussion and scripting</a:t>
+            </a:r>
+          </a:p>
+          <a:p>
+            <a:pPr marL="158750" indent="0">
+              <a:buNone/>
+            </a:pPr>
+            <a:r>
+              <a:rPr kumimoji="1" lang="en-US" altLang="ja-JP" baseline="0" dirty="0"/>
+              <a:t> November 15th. scripting and markup program execution</a:t>
+            </a:r>
+          </a:p>
+          <a:p>
+            <a:pPr marL="158750" indent="0">
+              <a:buNone/>
+            </a:pPr>
+            <a:r>
+              <a:rPr kumimoji="1" lang="en-US" altLang="ja-JP" baseline="0" dirty="0"/>
+              <a:t> November 16th. Review</a:t>
+            </a:r>
+            <a:endParaRPr kumimoji="1" lang="ja-JP" altLang="en-US" dirty="0"/>
+          </a:p>
+        </p:txBody>
+      </p:sp>
+    </p:spTree>
+    <p:extLst>
+      <p:ext uri="{BB962C8B-B14F-4D97-AF65-F5344CB8AC3E}">
+        <p14:creationId xmlns:p14="http://schemas.microsoft.com/office/powerpoint/2010/main" val="2484060333"/>
+      </p:ext>
+    </p:extLst>
+  </p:cSld>
+  <p:clrMapOvr>
+    <a:masterClrMapping/>
+  </p:clrMapOvr>
+</p:notes>
+</file>
+
+<file path=ppt/notesSlides/notesSlide11.xml><?xml version="1.0" encoding="utf-8"?>
+<p:notes xmlns:a="http://schemas.openxmlformats.org/drawingml/2006/main" xmlns:r="http://schemas.openxmlformats.org/officeDocument/2006/relationships" xmlns:p="http://schemas.openxmlformats.org/presentationml/2006/main" showMasterSp="0" showMasterPhAnim="0">
+  <p:cSld>
+    <p:spTree>
+      <p:nvGrpSpPr>
+        <p:cNvPr id="1" name="Shape 99"/>
+        <p:cNvGrpSpPr/>
+        <p:nvPr/>
+      </p:nvGrpSpPr>
+      <p:grpSpPr>
+        <a:xfrm>
+          <a:off x="0" y="0"/>
+          <a:ext cx="0" cy="0"/>
+          <a:chOff x="0" y="0"/>
+          <a:chExt cx="0" cy="0"/>
+        </a:xfrm>
+      </p:grpSpPr>
+      <p:sp>
+        <p:nvSpPr>
+          <p:cNvPr id="100" name="Google Shape;100;g443aecb26f_0_22:notes"/>
+          <p:cNvSpPr>
+            <a:spLocks noGrp="1" noRot="1" noChangeAspect="1"/>
+          </p:cNvSpPr>
+          <p:nvPr>
+            <p:ph type="sldImg" idx="2"/>
+          </p:nvPr>
+        </p:nvSpPr>
+        <p:spPr>
+          <a:xfrm>
+            <a:off x="381000" y="685800"/>
+            <a:ext cx="6096000" cy="3429000"/>
+          </a:xfrm>
+          <a:custGeom>
+            <a:avLst/>
+            <a:gdLst/>
+            <a:ahLst/>
+            <a:cxnLst/>
+            <a:rect l="l" t="t" r="r" b="b"/>
+            <a:pathLst>
+              <a:path w="120000" h="120000" extrusionOk="0">
+                <a:moveTo>
+                  <a:pt x="0" y="0"/>
+                </a:moveTo>
+                <a:lnTo>
+                  <a:pt x="120000" y="0"/>
+                </a:lnTo>
+                <a:lnTo>
+                  <a:pt x="120000" y="120000"/>
+                </a:lnTo>
+                <a:lnTo>
+                  <a:pt x="0" y="120000"/>
+                </a:lnTo>
+                <a:close/>
+              </a:path>
+            </a:pathLst>
+          </a:custGeom>
+        </p:spPr>
+      </p:sp>
+      <p:sp>
+        <p:nvSpPr>
+          <p:cNvPr id="101" name="Google Shape;101;g443aecb26f_0_22:notes"/>
+          <p:cNvSpPr txBox="1">
+            <a:spLocks noGrp="1"/>
+          </p:cNvSpPr>
+          <p:nvPr>
+            <p:ph type="body" idx="1"/>
+          </p:nvPr>
+        </p:nvSpPr>
+        <p:spPr>
+          <a:xfrm>
+            <a:off x="685800" y="4343400"/>
+            <a:ext cx="5486400" cy="4114800"/>
+          </a:xfrm>
+          <a:prstGeom prst="rect">
+            <a:avLst/>
+          </a:prstGeom>
+        </p:spPr>
+        <p:txBody>
+          <a:bodyPr spcFirstLastPara="1" wrap="square" lIns="91425" tIns="91425" rIns="91425" bIns="91425" anchor="t" anchorCtr="0">
+            <a:noAutofit/>
+          </a:bodyPr>
+          <a:lstStyle/>
+          <a:p>
+            <a:pPr marL="0" lvl="0" indent="0" algn="l" rtl="0">
+              <a:spcBef>
+                <a:spcPts val="0"/>
+              </a:spcBef>
+              <a:spcAft>
+                <a:spcPts val="0"/>
+              </a:spcAft>
+              <a:buNone/>
+            </a:pPr>
+            <a:r>
+              <a:rPr lang="en" altLang="ja-JP" dirty="0"/>
+              <a:t>Post-biohackathon perspectives is…</a:t>
+            </a:r>
+          </a:p>
+          <a:p>
+            <a:pPr marL="0" lvl="0" indent="0" algn="l" rtl="0">
+              <a:spcBef>
+                <a:spcPts val="0"/>
+              </a:spcBef>
+              <a:spcAft>
+                <a:spcPts val="0"/>
+              </a:spcAft>
+              <a:buNone/>
+            </a:pPr>
+            <a:r>
+              <a:rPr lang="en-US" dirty="0"/>
+              <a:t> Putting constructed data into some public databases</a:t>
+            </a:r>
+          </a:p>
+          <a:p>
+            <a:pPr marL="0" lvl="0" indent="0" algn="l" rtl="0">
+              <a:spcBef>
+                <a:spcPts val="0"/>
+              </a:spcBef>
+              <a:spcAft>
+                <a:spcPts val="0"/>
+              </a:spcAft>
+              <a:buNone/>
+            </a:pPr>
+            <a:r>
+              <a:rPr lang="en-US" dirty="0"/>
+              <a:t> Optimizing our Life Science Cross Search to discussed schema</a:t>
+            </a:r>
+          </a:p>
+          <a:p>
+            <a:pPr marL="0" lvl="0" indent="0" algn="l" rtl="0">
+              <a:spcBef>
+                <a:spcPts val="0"/>
+              </a:spcBef>
+              <a:spcAft>
+                <a:spcPts val="0"/>
+              </a:spcAft>
+              <a:buNone/>
+            </a:pPr>
+            <a:endParaRPr lang="en-US" dirty="0"/>
+          </a:p>
+          <a:p>
+            <a:pPr marL="0" lvl="0" indent="0" algn="l" rtl="0">
+              <a:spcBef>
+                <a:spcPts val="0"/>
+              </a:spcBef>
+              <a:spcAft>
+                <a:spcPts val="0"/>
+              </a:spcAft>
+              <a:buNone/>
+            </a:pPr>
+            <a:r>
+              <a:rPr lang="en-US" dirty="0"/>
+              <a:t>And we would like to find the best practice to put good schema markup into biological database web page</a:t>
+            </a:r>
+          </a:p>
+          <a:p>
+            <a:pPr marL="0" lvl="0" indent="0" algn="l" rtl="0">
+              <a:spcBef>
+                <a:spcPts val="0"/>
+              </a:spcBef>
+              <a:spcAft>
+                <a:spcPts val="0"/>
+              </a:spcAft>
+              <a:buNone/>
+            </a:pPr>
+            <a:endParaRPr dirty="0"/>
+          </a:p>
+        </p:txBody>
+      </p:sp>
+    </p:spTree>
+    <p:extLst>
+      <p:ext uri="{BB962C8B-B14F-4D97-AF65-F5344CB8AC3E}">
+        <p14:creationId xmlns:p14="http://schemas.microsoft.com/office/powerpoint/2010/main" val="64903041"/>
+      </p:ext>
+    </p:extLst>
+  </p:cSld>
+  <p:clrMapOvr>
+    <a:masterClrMapping/>
+  </p:clrMapOvr>
+</p:notes>
+</file>
+
+<file path=ppt/notesSlides/notesSlide12.xml><?xml version="1.0" encoding="utf-8"?>
+<p:notes xmlns:a="http://schemas.openxmlformats.org/drawingml/2006/main" xmlns:r="http://schemas.openxmlformats.org/officeDocument/2006/relationships" xmlns:p="http://schemas.openxmlformats.org/presentationml/2006/main" showMasterSp="0" showMasterPhAnim="0">
+  <p:cSld>
+    <p:spTree>
+      <p:nvGrpSpPr>
+        <p:cNvPr id="1" name="Shape 125"/>
+        <p:cNvGrpSpPr/>
+        <p:nvPr/>
+      </p:nvGrpSpPr>
+      <p:grpSpPr>
+        <a:xfrm>
+          <a:off x="0" y="0"/>
+          <a:ext cx="0" cy="0"/>
+          <a:chOff x="0" y="0"/>
+          <a:chExt cx="0" cy="0"/>
+        </a:xfrm>
+      </p:grpSpPr>
+      <p:sp>
+        <p:nvSpPr>
+          <p:cNvPr id="126" name="Google Shape;126;g443aecb26f_0_55:notes"/>
+          <p:cNvSpPr>
+            <a:spLocks noGrp="1" noRot="1" noChangeAspect="1"/>
+          </p:cNvSpPr>
+          <p:nvPr>
+            <p:ph type="sldImg" idx="2"/>
+          </p:nvPr>
+        </p:nvSpPr>
+        <p:spPr>
+          <a:xfrm>
+            <a:off x="381000" y="685800"/>
+            <a:ext cx="6096000" cy="3429000"/>
+          </a:xfrm>
+          <a:custGeom>
+            <a:avLst/>
+            <a:gdLst/>
+            <a:ahLst/>
+            <a:cxnLst/>
+            <a:rect l="l" t="t" r="r" b="b"/>
+            <a:pathLst>
+              <a:path w="120000" h="120000" extrusionOk="0">
+                <a:moveTo>
+                  <a:pt x="0" y="0"/>
+                </a:moveTo>
+                <a:lnTo>
+                  <a:pt x="120000" y="0"/>
+                </a:lnTo>
+                <a:lnTo>
+                  <a:pt x="120000" y="120000"/>
+                </a:lnTo>
+                <a:lnTo>
+                  <a:pt x="0" y="120000"/>
+                </a:lnTo>
+                <a:close/>
+              </a:path>
+            </a:pathLst>
+          </a:custGeom>
+        </p:spPr>
+      </p:sp>
+      <p:sp>
+        <p:nvSpPr>
+          <p:cNvPr id="127" name="Google Shape;127;g443aecb26f_0_55:notes"/>
+          <p:cNvSpPr txBox="1">
+            <a:spLocks noGrp="1"/>
+          </p:cNvSpPr>
+          <p:nvPr>
+            <p:ph type="body" idx="1"/>
+          </p:nvPr>
+        </p:nvSpPr>
+        <p:spPr>
+          <a:xfrm>
+            <a:off x="685800" y="4343400"/>
+            <a:ext cx="5486400" cy="4114800"/>
+          </a:xfrm>
+          <a:prstGeom prst="rect">
+            <a:avLst/>
+          </a:prstGeom>
+        </p:spPr>
+        <p:txBody>
+          <a:bodyPr spcFirstLastPara="1" wrap="square" lIns="91425" tIns="91425" rIns="91425" bIns="91425" anchor="t" anchorCtr="0">
+            <a:noAutofit/>
+          </a:bodyPr>
+          <a:lstStyle/>
+          <a:p>
+            <a:pPr marL="0" lvl="0" indent="0" algn="l" rtl="0">
+              <a:spcBef>
+                <a:spcPts val="0"/>
+              </a:spcBef>
+              <a:spcAft>
+                <a:spcPts val="0"/>
+              </a:spcAft>
+              <a:buNone/>
+            </a:pPr>
+            <a:r>
+              <a:rPr lang="en" altLang="ja-JP" dirty="0"/>
+              <a:t>This is the Contact and links information.</a:t>
+            </a:r>
+          </a:p>
+          <a:p>
+            <a:pPr marL="0" lvl="0" indent="0" algn="l" rtl="0">
+              <a:spcBef>
+                <a:spcPts val="0"/>
+              </a:spcBef>
+              <a:spcAft>
+                <a:spcPts val="0"/>
+              </a:spcAft>
+              <a:buNone/>
+            </a:pPr>
+            <a:endParaRPr lang="en" altLang="ja-JP" dirty="0"/>
+          </a:p>
+          <a:p>
+            <a:pPr marL="0" lvl="0" indent="0" algn="l" rtl="0">
+              <a:spcBef>
+                <a:spcPts val="0"/>
+              </a:spcBef>
+              <a:spcAft>
+                <a:spcPts val="0"/>
+              </a:spcAft>
+              <a:buNone/>
+            </a:pPr>
+            <a:r>
+              <a:rPr lang="en" altLang="ja-JP" dirty="0"/>
+              <a:t>That</a:t>
+            </a:r>
+            <a:r>
+              <a:rPr lang="en" altLang="ja-JP" baseline="0" dirty="0"/>
+              <a:t>'s all.</a:t>
+            </a:r>
+          </a:p>
+          <a:p>
+            <a:pPr marL="0" lvl="0" indent="0" algn="l" rtl="0">
+              <a:spcBef>
+                <a:spcPts val="0"/>
+              </a:spcBef>
+              <a:spcAft>
+                <a:spcPts val="0"/>
+              </a:spcAft>
+              <a:buNone/>
+            </a:pPr>
+            <a:r>
+              <a:rPr lang="en" altLang="ja-JP" dirty="0"/>
+              <a:t>Any question?</a:t>
+            </a:r>
+          </a:p>
+          <a:p>
+            <a:pPr marL="0" lvl="0" indent="0" algn="l" rtl="0">
+              <a:spcBef>
+                <a:spcPts val="0"/>
+              </a:spcBef>
+              <a:spcAft>
+                <a:spcPts val="0"/>
+              </a:spcAft>
+              <a:buNone/>
+            </a:pPr>
+            <a:endParaRPr lang="en" altLang="ja-JP" dirty="0"/>
+          </a:p>
+        </p:txBody>
+      </p:sp>
+    </p:spTree>
+    <p:extLst>
+      <p:ext uri="{BB962C8B-B14F-4D97-AF65-F5344CB8AC3E}">
+        <p14:creationId xmlns:p14="http://schemas.microsoft.com/office/powerpoint/2010/main" val="2572651363"/>
+      </p:ext>
+    </p:extLst>
+  </p:cSld>
+  <p:clrMapOvr>
+    <a:masterClrMapping/>
+  </p:clrMapOvr>
+</p:notes>
+</file>
+
 <file path=ppt/notesSlides/notesSlide2.xml><?xml version="1.0" encoding="utf-8"?>
+<p:notes xmlns:a="http://schemas.openxmlformats.org/drawingml/2006/main" xmlns:r="http://schemas.openxmlformats.org/officeDocument/2006/relationships" xmlns:p="http://schemas.openxmlformats.org/presentationml/2006/main">
+  <p:cSld>
+    <p:spTree>
+      <p:nvGrpSpPr>
+        <p:cNvPr id="1" name=""/>
+        <p:cNvGrpSpPr/>
+        <p:nvPr/>
+      </p:nvGrpSpPr>
+      <p:grpSpPr>
+        <a:xfrm>
+          <a:off x="0" y="0"/>
+          <a:ext cx="0" cy="0"/>
+          <a:chOff x="0" y="0"/>
+          <a:chExt cx="0" cy="0"/>
+        </a:xfrm>
+      </p:grpSpPr>
+      <p:sp>
+        <p:nvSpPr>
+          <p:cNvPr id="2" name="スライド イメージ プレースホルダー 1"/>
+          <p:cNvSpPr>
+            <a:spLocks noGrp="1" noRot="1" noChangeAspect="1"/>
+          </p:cNvSpPr>
+          <p:nvPr>
+            <p:ph type="sldImg"/>
+          </p:nvPr>
+        </p:nvSpPr>
+        <p:spPr/>
+      </p:sp>
+      <p:sp>
+        <p:nvSpPr>
+          <p:cNvPr id="3" name="ノート プレースホルダー 2"/>
+          <p:cNvSpPr>
+            <a:spLocks noGrp="1"/>
+          </p:cNvSpPr>
+          <p:nvPr>
+            <p:ph type="body" idx="1"/>
+          </p:nvPr>
+        </p:nvSpPr>
+        <p:spPr/>
+        <p:txBody>
+          <a:bodyPr/>
+          <a:lstStyle/>
+          <a:p>
+            <a:pPr marL="158750" indent="0">
+              <a:buNone/>
+            </a:pPr>
+            <a:r>
+              <a:rPr kumimoji="1" lang="en-US" altLang="ja-JP" dirty="0"/>
+              <a:t>In this project, 3 persons are participated</a:t>
+            </a:r>
+            <a:r>
+              <a:rPr kumimoji="1" lang="en-US" altLang="ja-JP" baseline="0" dirty="0"/>
+              <a:t> in.</a:t>
+            </a:r>
+          </a:p>
+          <a:p>
+            <a:pPr marL="158750" indent="0">
+              <a:buNone/>
+            </a:pPr>
+            <a:r>
+              <a:rPr kumimoji="1" lang="en-US" altLang="ja-JP" baseline="0" dirty="0"/>
+              <a:t>But Team leader, Onami will come tomorrow. </a:t>
+            </a:r>
+          </a:p>
+          <a:p>
+            <a:pPr marL="158750" indent="0">
+              <a:buNone/>
+            </a:pPr>
+            <a:r>
+              <a:rPr kumimoji="1" lang="en-US" altLang="ja-JP" baseline="0" dirty="0"/>
+              <a:t>So today, we: </a:t>
+            </a:r>
+            <a:r>
+              <a:rPr kumimoji="1" lang="en-US" altLang="ja-JP" baseline="0" dirty="0" err="1"/>
+              <a:t>Kushida</a:t>
+            </a:r>
+            <a:r>
+              <a:rPr kumimoji="1" lang="en-US" altLang="ja-JP" baseline="0" dirty="0"/>
+              <a:t> and </a:t>
+            </a:r>
+            <a:r>
+              <a:rPr kumimoji="1" lang="en-US" altLang="ja-JP" baseline="0" dirty="0" err="1"/>
+              <a:t>Yatsuzuka</a:t>
+            </a:r>
+            <a:r>
+              <a:rPr kumimoji="1" lang="en-US" altLang="ja-JP" baseline="0" dirty="0"/>
+              <a:t> introduce our project.</a:t>
+            </a:r>
+          </a:p>
+          <a:p>
+            <a:pPr marL="158750" indent="0">
+              <a:buNone/>
+            </a:pPr>
+            <a:endParaRPr kumimoji="1" lang="en-US" altLang="ja-JP" dirty="0"/>
+          </a:p>
+          <a:p>
+            <a:pPr marL="158750" indent="0">
+              <a:buNone/>
+            </a:pPr>
+            <a:endParaRPr kumimoji="1" lang="en-US" altLang="ja-JP" dirty="0"/>
+          </a:p>
+        </p:txBody>
+      </p:sp>
+    </p:spTree>
+    <p:extLst>
+      <p:ext uri="{BB962C8B-B14F-4D97-AF65-F5344CB8AC3E}">
+        <p14:creationId xmlns:p14="http://schemas.microsoft.com/office/powerpoint/2010/main" val="4178955025"/>
+      </p:ext>
+    </p:extLst>
+  </p:cSld>
+  <p:clrMapOvr>
+    <a:masterClrMapping/>
+  </p:clrMapOvr>
+</p:notes>
+</file>
+
+<file path=ppt/notesSlides/notesSlide3.xml><?xml version="1.0" encoding="utf-8"?>
 <p:notes xmlns:a="http://schemas.openxmlformats.org/drawingml/2006/main" xmlns:r="http://schemas.openxmlformats.org/officeDocument/2006/relationships" xmlns:p="http://schemas.openxmlformats.org/presentationml/2006/main" showMasterSp="0" showMasterPhAnim="0">
   <p:cSld>
     <p:spTree>
@@ -920,7 +1670,26 @@
               </a:spcAft>
               <a:buNone/>
             </a:pPr>
-            <a:endParaRPr/>
+            <a:r>
+              <a:rPr lang="en-US" dirty="0"/>
+              <a:t>Background</a:t>
+            </a:r>
+            <a:r>
+              <a:rPr lang="en-US" baseline="0" dirty="0"/>
+              <a:t> information</a:t>
+            </a:r>
+          </a:p>
+          <a:p>
+            <a:pPr marL="0" lvl="0" indent="0" algn="l" rtl="0">
+              <a:spcBef>
+                <a:spcPts val="0"/>
+              </a:spcBef>
+              <a:spcAft>
+                <a:spcPts val="0"/>
+              </a:spcAft>
+              <a:buNone/>
+            </a:pPr>
+            <a:endParaRPr dirty="0"/>
           </a:p>
         </p:txBody>
       </p:sp>
@@ -937,12 +1706,12 @@
 </p:notes>
 </file>
 
-<file path=ppt/notesSlides/notesSlide3.xml><?xml version="1.0" encoding="utf-8"?>
-<p:notes xmlns:a="http://schemas.openxmlformats.org/drawingml/2006/main" xmlns:r="http://schemas.openxmlformats.org/officeDocument/2006/relationships" xmlns:p="http://schemas.openxmlformats.org/presentationml/2006/main" showMasterSp="0" showMasterPhAnim="0">
+<file path=ppt/notesSlides/notesSlide4.xml><?xml version="1.0" encoding="utf-8"?>
+<p:notes xmlns:a="http://schemas.openxmlformats.org/drawingml/2006/main" xmlns:r="http://schemas.openxmlformats.org/officeDocument/2006/relationships" xmlns:p="http://schemas.openxmlformats.org/presentationml/2006/main">
   <p:cSld>
     <p:spTree>
       <p:nvGrpSpPr>
-        <p:cNvPr id="1" name="Shape 99"/>
+        <p:cNvPr id="1" name=""/>
         <p:cNvGrpSpPr/>
         <p:nvPr/>
       </p:nvGrpSpPr>
@@ -956,87 +1725,115 @@
       </p:grpSpPr>
       <p:sp>
         <p:nvSpPr>
-          <p:cNvPr id="100" name="Google Shape;100;g443aecb26f_0_22:notes"/>
+          <p:cNvPr id="2" name="スライド イメージ プレースホルダー 1"/>
           <p:cNvSpPr>
             <a:spLocks noGrp="1" noRot="1" noChangeAspect="1"/>
           </p:cNvSpPr>
           <p:nvPr>
-            <p:ph type="sldImg" idx="2"/>
+            <p:ph type="sldImg"/>
           </p:nvPr>
         </p:nvSpPr>
-        <p:spPr>
-          <a:xfrm>
-            <a:off x="381000" y="685800"/>
-            <a:ext cx="6096000" cy="3429000"/>
-          </a:xfrm>
-          <a:custGeom>
-            <a:avLst/>
-            <a:gdLst/>
-            <a:ahLst/>
-            <a:cxnLst/>
-            <a:rect l="l" t="t" r="r" b="b"/>
-            <a:pathLst>
-              <a:path w="120000" h="120000" extrusionOk="0">
-                <a:moveTo>
-                  <a:pt x="0" y="0"/>
-                </a:moveTo>
-                <a:lnTo>
-                  <a:pt x="120000" y="0"/>
-                </a:lnTo>
-                <a:lnTo>
-                  <a:pt x="120000" y="120000"/>
-                </a:lnTo>
-                <a:lnTo>
-                  <a:pt x="0" y="120000"/>
-                </a:lnTo>
-                <a:close/>
-              </a:path>
-            </a:pathLst>
-          </a:custGeom>
-        </p:spPr>
+        <p:spPr/>
       </p:sp>
       <p:sp>
         <p:nvSpPr>
-          <p:cNvPr id="101" name="Google Shape;101;g443aecb26f_0_22:notes"/>
-          <p:cNvSpPr txBox="1">
+          <p:cNvPr id="3" name="ノート プレースホルダー 2"/>
+          <p:cNvSpPr>
             <a:spLocks noGrp="1"/>
           </p:cNvSpPr>
           <p:nvPr>
             <p:ph type="body" idx="1"/>
           </p:nvPr>
         </p:nvSpPr>
-        <p:spPr>
-          <a:xfrm>
-            <a:off x="685800" y="4343400"/>
-            <a:ext cx="5486400" cy="4114800"/>
-          </a:xfrm>
-          <a:prstGeom prst="rect">
-            <a:avLst/>
-          </a:prstGeom>
-        </p:spPr>
+        <p:spPr/>
         <p:txBody>
-          <a:bodyPr spcFirstLastPara="1" wrap="square" lIns="91425" tIns="91425" rIns="91425" bIns="91425" anchor="t" anchorCtr="0">
-            <a:noAutofit/>
-          </a:bodyPr>
+          <a:bodyPr/>
           <a:lstStyle/>
           <a:p>
-            <a:pPr marL="0" lvl="0" indent="0" algn="l" rtl="0">
-              <a:spcBef>
-                <a:spcPts val="0"/>
-              </a:spcBef>
-              <a:spcAft>
-                <a:spcPts val="0"/>
-              </a:spcAft>
+            <a:pPr marL="158750" indent="0">
               <a:buNone/>
             </a:pPr>
-            <a:endParaRPr/>
+            <a:r>
+              <a:rPr kumimoji="1" lang="en-US" altLang="ja-JP" dirty="0"/>
+              <a:t>By the way, when you want to search the recipe of BANANA CAKE,</a:t>
+            </a:r>
+          </a:p>
+          <a:p>
+            <a:pPr marL="158750" indent="0">
+              <a:buNone/>
+            </a:pPr>
+            <a:r>
+              <a:rPr kumimoji="1" lang="en-US" altLang="ja-JP" dirty="0"/>
+              <a:t>You would search these</a:t>
+            </a:r>
+            <a:r>
+              <a:rPr kumimoji="1" lang="en-US" altLang="ja-JP" baseline="0" dirty="0"/>
+              <a:t> word by search engine.</a:t>
+            </a:r>
+          </a:p>
+          <a:p>
+            <a:pPr marL="158750" indent="0">
+              <a:buNone/>
+            </a:pPr>
+            <a:endParaRPr kumimoji="1" lang="en-US" altLang="ja-JP" baseline="0" dirty="0"/>
+          </a:p>
+          <a:p>
+            <a:pPr marL="158750" indent="0">
+              <a:buNone/>
+            </a:pPr>
+            <a:r>
+              <a:rPr kumimoji="1" lang="en-US" altLang="ja-JP" dirty="0"/>
+              <a:t>The</a:t>
+            </a:r>
+            <a:r>
+              <a:rPr kumimoji="1" lang="en-US" altLang="ja-JP" baseline="0" dirty="0"/>
+              <a:t> search result shows like this.</a:t>
+            </a:r>
+          </a:p>
+          <a:p>
+            <a:pPr marL="158750" indent="0">
+              <a:buNone/>
+            </a:pPr>
+            <a:r>
+              <a:rPr kumimoji="1" lang="en-US" altLang="ja-JP" baseline="0" dirty="0"/>
+              <a:t>(</a:t>
+            </a:r>
+            <a:r>
+              <a:rPr kumimoji="1" lang="ja-JP" altLang="en-US" baseline="0" dirty="0"/>
+              <a:t>対象を指しながら</a:t>
+            </a:r>
+            <a:r>
+              <a:rPr kumimoji="1" lang="en-US" altLang="ja-JP" baseline="0" dirty="0"/>
+              <a:t>)The snippet contains thumbnail image, Rating information, reviews number, cook time, and nutrition calories.</a:t>
+            </a:r>
+          </a:p>
+          <a:p>
+            <a:pPr marL="158750" indent="0">
+              <a:buNone/>
+            </a:pPr>
+            <a:r>
+              <a:rPr kumimoji="1" lang="en-US" altLang="ja-JP" baseline="0" dirty="0"/>
+              <a:t>I think, these snippet information are useful to find good recipe data.</a:t>
+            </a:r>
+          </a:p>
+          <a:p>
+            <a:pPr marL="158750" indent="0">
+              <a:buNone/>
+            </a:pPr>
+            <a:endParaRPr kumimoji="1" lang="en-US" altLang="ja-JP" dirty="0"/>
+          </a:p>
+          <a:p>
+            <a:pPr marL="158750" indent="0">
+              <a:buNone/>
+            </a:pPr>
+            <a:endParaRPr kumimoji="1" lang="ja-JP" altLang="en-US" dirty="0"/>
           </a:p>
         </p:txBody>
       </p:sp>
     </p:spTree>
     <p:extLst>
       <p:ext uri="{BB962C8B-B14F-4D97-AF65-F5344CB8AC3E}">
-        <p14:creationId xmlns:p14="http://schemas.microsoft.com/office/powerpoint/2010/main" val="64903041"/>
+        <p14:creationId xmlns:p14="http://schemas.microsoft.com/office/powerpoint/2010/main" val="1740794994"/>
       </p:ext>
     </p:extLst>
   </p:cSld>
@@ -1046,12 +1843,12 @@
 </p:notes>
 </file>
 
-<file path=ppt/notesSlides/notesSlide4.xml><?xml version="1.0" encoding="utf-8"?>
-<p:notes xmlns:a="http://schemas.openxmlformats.org/drawingml/2006/main" xmlns:r="http://schemas.openxmlformats.org/officeDocument/2006/relationships" xmlns:p="http://schemas.openxmlformats.org/presentationml/2006/main" showMasterSp="0" showMasterPhAnim="0">
+<file path=ppt/notesSlides/notesSlide5.xml><?xml version="1.0" encoding="utf-8"?>
+<p:notes xmlns:a="http://schemas.openxmlformats.org/drawingml/2006/main" xmlns:r="http://schemas.openxmlformats.org/officeDocument/2006/relationships" xmlns:p="http://schemas.openxmlformats.org/presentationml/2006/main">
   <p:cSld>
     <p:spTree>
       <p:nvGrpSpPr>
-        <p:cNvPr id="1" name="Shape 125"/>
+        <p:cNvPr id="1" name=""/>
         <p:cNvGrpSpPr/>
         <p:nvPr/>
       </p:nvGrpSpPr>
@@ -1065,87 +1862,562 @@
       </p:grpSpPr>
       <p:sp>
         <p:nvSpPr>
-          <p:cNvPr id="126" name="Google Shape;126;g443aecb26f_0_55:notes"/>
+          <p:cNvPr id="2" name="スライド イメージ プレースホルダー 1"/>
           <p:cNvSpPr>
             <a:spLocks noGrp="1" noRot="1" noChangeAspect="1"/>
           </p:cNvSpPr>
           <p:nvPr>
-            <p:ph type="sldImg" idx="2"/>
+            <p:ph type="sldImg"/>
           </p:nvPr>
         </p:nvSpPr>
-        <p:spPr>
-          <a:xfrm>
-            <a:off x="381000" y="685800"/>
-            <a:ext cx="6096000" cy="3429000"/>
-          </a:xfrm>
-          <a:custGeom>
-            <a:avLst/>
-            <a:gdLst/>
-            <a:ahLst/>
-            <a:cxnLst/>
-            <a:rect l="l" t="t" r="r" b="b"/>
-            <a:pathLst>
-              <a:path w="120000" h="120000" extrusionOk="0">
-                <a:moveTo>
-                  <a:pt x="0" y="0"/>
-                </a:moveTo>
-                <a:lnTo>
-                  <a:pt x="120000" y="0"/>
-                </a:lnTo>
-                <a:lnTo>
-                  <a:pt x="120000" y="120000"/>
-                </a:lnTo>
-                <a:lnTo>
-                  <a:pt x="0" y="120000"/>
-                </a:lnTo>
-                <a:close/>
-              </a:path>
-            </a:pathLst>
-          </a:custGeom>
-        </p:spPr>
+        <p:spPr/>
       </p:sp>
       <p:sp>
         <p:nvSpPr>
-          <p:cNvPr id="127" name="Google Shape;127;g443aecb26f_0_55:notes"/>
-          <p:cNvSpPr txBox="1">
+          <p:cNvPr id="3" name="ノート プレースホルダー 2"/>
+          <p:cNvSpPr>
             <a:spLocks noGrp="1"/>
           </p:cNvSpPr>
           <p:nvPr>
             <p:ph type="body" idx="1"/>
           </p:nvPr>
         </p:nvSpPr>
-        <p:spPr>
-          <a:xfrm>
-            <a:off x="685800" y="4343400"/>
-            <a:ext cx="5486400" cy="4114800"/>
-          </a:xfrm>
-          <a:prstGeom prst="rect">
-            <a:avLst/>
-          </a:prstGeom>
-        </p:spPr>
+        <p:spPr/>
         <p:txBody>
-          <a:bodyPr spcFirstLastPara="1" wrap="square" lIns="91425" tIns="91425" rIns="91425" bIns="91425" anchor="t" anchorCtr="0">
-            <a:noAutofit/>
-          </a:bodyPr>
+          <a:bodyPr/>
           <a:lstStyle/>
           <a:p>
-            <a:pPr marL="0" lvl="0" indent="0" algn="l" rtl="0">
-              <a:spcBef>
-                <a:spcPts val="0"/>
-              </a:spcBef>
-              <a:spcAft>
-                <a:spcPts val="0"/>
-              </a:spcAft>
+            <a:pPr marL="158750" indent="0">
               <a:buNone/>
             </a:pPr>
-            <a:endParaRPr/>
+            <a:r>
+              <a:rPr kumimoji="1" lang="en-US" altLang="ja-JP" dirty="0"/>
+              <a:t>This kind of rich</a:t>
+            </a:r>
+            <a:r>
+              <a:rPr kumimoji="1" lang="en-US" altLang="ja-JP" baseline="0" dirty="0"/>
+              <a:t> snippet need structured data in html source.</a:t>
+            </a:r>
+          </a:p>
+          <a:p>
+            <a:pPr marL="158750" indent="0">
+              <a:buNone/>
+            </a:pPr>
+            <a:r>
+              <a:rPr kumimoji="1" lang="en-US" altLang="ja-JP" baseline="0" dirty="0"/>
+              <a:t>It's also called "markup".</a:t>
+            </a:r>
+          </a:p>
+          <a:p>
+            <a:pPr marL="158750" indent="0">
+              <a:buNone/>
+            </a:pPr>
+            <a:r>
+              <a:rPr kumimoji="1" lang="en-US" altLang="ja-JP" dirty="0"/>
+              <a:t>Banana</a:t>
+            </a:r>
+            <a:r>
+              <a:rPr kumimoji="1" lang="en-US" altLang="ja-JP" baseline="0" dirty="0"/>
+              <a:t> cake recipe contained the structured data.</a:t>
+            </a:r>
+          </a:p>
+          <a:p>
+            <a:pPr marL="158750" indent="0">
+              <a:buNone/>
+            </a:pPr>
+            <a:endParaRPr kumimoji="1" lang="en-US" altLang="ja-JP" dirty="0"/>
+          </a:p>
+          <a:p>
+            <a:pPr marL="158750" indent="0">
+              <a:buNone/>
+            </a:pPr>
+            <a:r>
+              <a:rPr kumimoji="1" lang="en-US" altLang="ja-JP" dirty="0"/>
+              <a:t>But how</a:t>
+            </a:r>
+            <a:r>
+              <a:rPr kumimoji="1" lang="en-US" altLang="ja-JP" baseline="0" dirty="0"/>
+              <a:t> to make it?</a:t>
+            </a:r>
+          </a:p>
+          <a:p>
+            <a:pPr marL="158750" indent="0">
+              <a:buNone/>
+            </a:pPr>
+            <a:r>
+              <a:rPr kumimoji="1" lang="en-US" altLang="ja-JP" baseline="0" dirty="0"/>
+              <a:t>Is it a piece of cake to construct such kind of data?</a:t>
+            </a:r>
+          </a:p>
+          <a:p>
+            <a:pPr marL="158750" indent="0">
+              <a:buNone/>
+            </a:pPr>
+            <a:endParaRPr kumimoji="1" lang="ja-JP" altLang="en-US" dirty="0"/>
           </a:p>
         </p:txBody>
       </p:sp>
     </p:spTree>
     <p:extLst>
       <p:ext uri="{BB962C8B-B14F-4D97-AF65-F5344CB8AC3E}">
-        <p14:creationId xmlns:p14="http://schemas.microsoft.com/office/powerpoint/2010/main" val="2572651363"/>
+        <p14:creationId xmlns:p14="http://schemas.microsoft.com/office/powerpoint/2010/main" val="3548313393"/>
+      </p:ext>
+    </p:extLst>
+  </p:cSld>
+  <p:clrMapOvr>
+    <a:masterClrMapping/>
+  </p:clrMapOvr>
+</p:notes>
+</file>
+
+<file path=ppt/notesSlides/notesSlide6.xml><?xml version="1.0" encoding="utf-8"?>
+<p:notes xmlns:a="http://schemas.openxmlformats.org/drawingml/2006/main" xmlns:r="http://schemas.openxmlformats.org/officeDocument/2006/relationships" xmlns:p="http://schemas.openxmlformats.org/presentationml/2006/main">
+  <p:cSld>
+    <p:spTree>
+      <p:nvGrpSpPr>
+        <p:cNvPr id="1" name=""/>
+        <p:cNvGrpSpPr/>
+        <p:nvPr/>
+      </p:nvGrpSpPr>
+      <p:grpSpPr>
+        <a:xfrm>
+          <a:off x="0" y="0"/>
+          <a:ext cx="0" cy="0"/>
+          <a:chOff x="0" y="0"/>
+          <a:chExt cx="0" cy="0"/>
+        </a:xfrm>
+      </p:grpSpPr>
+      <p:sp>
+        <p:nvSpPr>
+          <p:cNvPr id="2" name="スライド イメージ プレースホルダー 1"/>
+          <p:cNvSpPr>
+            <a:spLocks noGrp="1" noRot="1" noChangeAspect="1"/>
+          </p:cNvSpPr>
+          <p:nvPr>
+            <p:ph type="sldImg"/>
+          </p:nvPr>
+        </p:nvSpPr>
+        <p:spPr/>
+      </p:sp>
+      <p:sp>
+        <p:nvSpPr>
+          <p:cNvPr id="3" name="ノート プレースホルダー 2"/>
+          <p:cNvSpPr>
+            <a:spLocks noGrp="1"/>
+          </p:cNvSpPr>
+          <p:nvPr>
+            <p:ph type="body" idx="1"/>
+          </p:nvPr>
+        </p:nvSpPr>
+        <p:spPr/>
+        <p:txBody>
+          <a:bodyPr/>
+          <a:lstStyle/>
+          <a:p>
+            <a:pPr marL="158750" marR="0" lvl="0" indent="0" algn="l" defTabSz="914400" rtl="0" eaLnBrk="1" fontAlgn="auto" latinLnBrk="0" hangingPunct="1">
+              <a:lnSpc>
+                <a:spcPct val="100000"/>
+              </a:lnSpc>
+              <a:spcBef>
+                <a:spcPts val="0"/>
+              </a:spcBef>
+              <a:spcAft>
+                <a:spcPts val="0"/>
+              </a:spcAft>
+              <a:buClr>
+                <a:srgbClr val="000000"/>
+              </a:buClr>
+              <a:buSzPts val="1100"/>
+              <a:buFont typeface="Arial"/>
+              <a:buNone/>
+              <a:tabLst/>
+              <a:defRPr/>
+            </a:pPr>
+            <a:r>
+              <a:rPr kumimoji="1" lang="en-US" altLang="ja-JP" sz="1100" dirty="0">
+                <a:solidFill>
+                  <a:srgbClr val="FFC000"/>
+                </a:solidFill>
+              </a:rPr>
+              <a:t>There is a guideline for the Recipe data markup.</a:t>
+            </a:r>
+            <a:endParaRPr kumimoji="1" lang="ja-JP" altLang="en-US" sz="1100" dirty="0">
+              <a:solidFill>
+                <a:srgbClr val="FFC000"/>
+              </a:solidFill>
+            </a:endParaRPr>
+          </a:p>
+          <a:p>
+            <a:pPr marL="158750" indent="0">
+              <a:buNone/>
+            </a:pPr>
+            <a:r>
+              <a:rPr kumimoji="1" lang="en-US" altLang="ja-JP" sz="1100" dirty="0">
+                <a:solidFill>
+                  <a:srgbClr val="FFC000"/>
+                </a:solidFill>
+              </a:rPr>
+              <a:t>In the google search guide</a:t>
+            </a:r>
+            <a:r>
+              <a:rPr kumimoji="1" lang="en-US" altLang="ja-JP" sz="1100" baseline="0" dirty="0">
+                <a:solidFill>
+                  <a:srgbClr val="FFC000"/>
+                </a:solidFill>
+              </a:rPr>
+              <a:t>line, it is based on schema.org/Recipe.</a:t>
+            </a:r>
+          </a:p>
+          <a:p>
+            <a:pPr marL="158750" indent="0">
+              <a:buNone/>
+            </a:pPr>
+            <a:r>
+              <a:rPr kumimoji="1" lang="en-US" altLang="ja-JP" sz="1100" baseline="0" dirty="0">
+                <a:solidFill>
+                  <a:srgbClr val="FFC000"/>
+                </a:solidFill>
+              </a:rPr>
+              <a:t>But actually, not all of recipe schemas are used.</a:t>
+            </a:r>
+            <a:endParaRPr kumimoji="1" lang="en-US" altLang="ja-JP" sz="1100" dirty="0">
+              <a:solidFill>
+                <a:srgbClr val="FFC000"/>
+              </a:solidFill>
+            </a:endParaRPr>
+          </a:p>
+          <a:p>
+            <a:pPr marL="158750" indent="0">
+              <a:buNone/>
+            </a:pPr>
+            <a:endParaRPr kumimoji="1" lang="ja-JP" altLang="en-US" sz="1100" dirty="0">
+              <a:solidFill>
+                <a:srgbClr val="FFC000"/>
+              </a:solidFill>
+            </a:endParaRPr>
+          </a:p>
+        </p:txBody>
+      </p:sp>
+    </p:spTree>
+    <p:extLst>
+      <p:ext uri="{BB962C8B-B14F-4D97-AF65-F5344CB8AC3E}">
+        <p14:creationId xmlns:p14="http://schemas.microsoft.com/office/powerpoint/2010/main" val="737264315"/>
+      </p:ext>
+    </p:extLst>
+  </p:cSld>
+  <p:clrMapOvr>
+    <a:masterClrMapping/>
+  </p:clrMapOvr>
+</p:notes>
+</file>
+
+<file path=ppt/notesSlides/notesSlide7.xml><?xml version="1.0" encoding="utf-8"?>
+<p:notes xmlns:a="http://schemas.openxmlformats.org/drawingml/2006/main" xmlns:r="http://schemas.openxmlformats.org/officeDocument/2006/relationships" xmlns:p="http://schemas.openxmlformats.org/presentationml/2006/main">
+  <p:cSld>
+    <p:spTree>
+      <p:nvGrpSpPr>
+        <p:cNvPr id="1" name=""/>
+        <p:cNvGrpSpPr/>
+        <p:nvPr/>
+      </p:nvGrpSpPr>
+      <p:grpSpPr>
+        <a:xfrm>
+          <a:off x="0" y="0"/>
+          <a:ext cx="0" cy="0"/>
+          <a:chOff x="0" y="0"/>
+          <a:chExt cx="0" cy="0"/>
+        </a:xfrm>
+      </p:grpSpPr>
+      <p:sp>
+        <p:nvSpPr>
+          <p:cNvPr id="2" name="スライド イメージ プレースホルダー 1"/>
+          <p:cNvSpPr>
+            <a:spLocks noGrp="1" noRot="1" noChangeAspect="1"/>
+          </p:cNvSpPr>
+          <p:nvPr>
+            <p:ph type="sldImg"/>
+          </p:nvPr>
+        </p:nvSpPr>
+        <p:spPr/>
+      </p:sp>
+      <p:sp>
+        <p:nvSpPr>
+          <p:cNvPr id="3" name="ノート プレースホルダー 2"/>
+          <p:cNvSpPr>
+            <a:spLocks noGrp="1"/>
+          </p:cNvSpPr>
+          <p:nvPr>
+            <p:ph type="body" idx="1"/>
+          </p:nvPr>
+        </p:nvSpPr>
+        <p:spPr/>
+        <p:txBody>
+          <a:bodyPr/>
+          <a:lstStyle/>
+          <a:p>
+            <a:pPr marL="158750" indent="0">
+              <a:buNone/>
+            </a:pPr>
+            <a:r>
+              <a:rPr kumimoji="1" lang="en-US" altLang="ja-JP" dirty="0"/>
+              <a:t>Web page with markup</a:t>
+            </a:r>
+            <a:r>
+              <a:rPr kumimoji="1" lang="en-US" altLang="ja-JP" baseline="0" dirty="0"/>
+              <a:t> schema can</a:t>
+            </a:r>
+          </a:p>
+          <a:p>
+            <a:pPr marL="158750" indent="0">
+              <a:buNone/>
+            </a:pPr>
+            <a:r>
+              <a:rPr kumimoji="1" lang="en-US" altLang="ja-JP" baseline="0" dirty="0"/>
+              <a:t> provide structured data to schema based search engine.</a:t>
+            </a:r>
+          </a:p>
+          <a:p>
+            <a:pPr marL="158750" indent="0">
+              <a:buNone/>
+            </a:pPr>
+            <a:r>
+              <a:rPr kumimoji="1" lang="en-US" altLang="ja-JP" baseline="0" dirty="0"/>
+              <a:t>  is also provide rich data and efficient and accurate discover for all users</a:t>
+            </a:r>
+          </a:p>
+          <a:p>
+            <a:pPr marL="158750" indent="0">
+              <a:buNone/>
+            </a:pPr>
+            <a:r>
+              <a:rPr kumimoji="1" lang="en-US" altLang="ja-JP" baseline="0" dirty="0"/>
+              <a:t>And web page with markup schema also provide semantic data to advanced data user or </a:t>
+            </a:r>
+            <a:r>
+              <a:rPr kumimoji="1" lang="en-US" altLang="ja-JP" baseline="0" dirty="0" err="1"/>
+              <a:t>informatician</a:t>
+            </a:r>
+            <a:r>
+              <a:rPr kumimoji="1" lang="en-US" altLang="ja-JP" baseline="0" dirty="0"/>
+              <a:t> for easy integration or accurate analysis</a:t>
+            </a:r>
+          </a:p>
+        </p:txBody>
+      </p:sp>
+    </p:spTree>
+    <p:extLst>
+      <p:ext uri="{BB962C8B-B14F-4D97-AF65-F5344CB8AC3E}">
+        <p14:creationId xmlns:p14="http://schemas.microsoft.com/office/powerpoint/2010/main" val="1675856989"/>
+      </p:ext>
+    </p:extLst>
+  </p:cSld>
+  <p:clrMapOvr>
+    <a:masterClrMapping/>
+  </p:clrMapOvr>
+</p:notes>
+</file>
+
+<file path=ppt/notesSlides/notesSlide8.xml><?xml version="1.0" encoding="utf-8"?>
+<p:notes xmlns:a="http://schemas.openxmlformats.org/drawingml/2006/main" xmlns:r="http://schemas.openxmlformats.org/officeDocument/2006/relationships" xmlns:p="http://schemas.openxmlformats.org/presentationml/2006/main">
+  <p:cSld>
+    <p:spTree>
+      <p:nvGrpSpPr>
+        <p:cNvPr id="1" name=""/>
+        <p:cNvGrpSpPr/>
+        <p:nvPr/>
+      </p:nvGrpSpPr>
+      <p:grpSpPr>
+        <a:xfrm>
+          <a:off x="0" y="0"/>
+          <a:ext cx="0" cy="0"/>
+          <a:chOff x="0" y="0"/>
+          <a:chExt cx="0" cy="0"/>
+        </a:xfrm>
+      </p:grpSpPr>
+      <p:sp>
+        <p:nvSpPr>
+          <p:cNvPr id="2" name="スライド イメージ プレースホルダー 1"/>
+          <p:cNvSpPr>
+            <a:spLocks noGrp="1" noRot="1" noChangeAspect="1"/>
+          </p:cNvSpPr>
+          <p:nvPr>
+            <p:ph type="sldImg"/>
+          </p:nvPr>
+        </p:nvSpPr>
+        <p:spPr/>
+      </p:sp>
+      <p:sp>
+        <p:nvSpPr>
+          <p:cNvPr id="3" name="ノート プレースホルダー 2"/>
+          <p:cNvSpPr>
+            <a:spLocks noGrp="1"/>
+          </p:cNvSpPr>
+          <p:nvPr>
+            <p:ph type="body" idx="1"/>
+          </p:nvPr>
+        </p:nvSpPr>
+        <p:spPr/>
+        <p:txBody>
+          <a:bodyPr/>
+          <a:lstStyle/>
+          <a:p>
+            <a:pPr marL="158750" indent="0">
+              <a:buNone/>
+            </a:pPr>
+            <a:r>
+              <a:rPr kumimoji="1" lang="en-US" altLang="ja-JP" dirty="0"/>
+              <a:t>So, recipe</a:t>
+            </a:r>
+            <a:r>
+              <a:rPr kumimoji="1" lang="en-US" altLang="ja-JP" baseline="0" dirty="0"/>
+              <a:t> is good.</a:t>
+            </a:r>
+          </a:p>
+          <a:p>
+            <a:pPr marL="158750" indent="0">
+              <a:buNone/>
+            </a:pPr>
+            <a:r>
+              <a:rPr kumimoji="1" lang="en-US" altLang="ja-JP" dirty="0"/>
+              <a:t>How about</a:t>
+            </a:r>
+            <a:r>
+              <a:rPr kumimoji="1" lang="en-US" altLang="ja-JP" baseline="0" dirty="0"/>
+              <a:t> in biological field?</a:t>
+            </a:r>
+          </a:p>
+          <a:p>
+            <a:pPr marL="158750" indent="0">
+              <a:buNone/>
+            </a:pPr>
+            <a:r>
+              <a:rPr kumimoji="1" lang="en-US" altLang="ja-JP" baseline="0" dirty="0"/>
+              <a:t>We think Some markup schema standards for application tools are establishing.</a:t>
+            </a:r>
+          </a:p>
+          <a:p>
+            <a:pPr marL="158750" indent="0">
+              <a:buNone/>
+            </a:pPr>
+            <a:endParaRPr kumimoji="1" lang="ja-JP" altLang="en-US" dirty="0"/>
+          </a:p>
+        </p:txBody>
+      </p:sp>
+    </p:spTree>
+    <p:extLst>
+      <p:ext uri="{BB962C8B-B14F-4D97-AF65-F5344CB8AC3E}">
+        <p14:creationId xmlns:p14="http://schemas.microsoft.com/office/powerpoint/2010/main" val="3356306770"/>
+      </p:ext>
+    </p:extLst>
+  </p:cSld>
+  <p:clrMapOvr>
+    <a:masterClrMapping/>
+  </p:clrMapOvr>
+</p:notes>
+</file>
+
+<file path=ppt/notesSlides/notesSlide9.xml><?xml version="1.0" encoding="utf-8"?>
+<p:notes xmlns:a="http://schemas.openxmlformats.org/drawingml/2006/main" xmlns:r="http://schemas.openxmlformats.org/officeDocument/2006/relationships" xmlns:p="http://schemas.openxmlformats.org/presentationml/2006/main">
+  <p:cSld>
+    <p:spTree>
+      <p:nvGrpSpPr>
+        <p:cNvPr id="1" name=""/>
+        <p:cNvGrpSpPr/>
+        <p:nvPr/>
+      </p:nvGrpSpPr>
+      <p:grpSpPr>
+        <a:xfrm>
+          <a:off x="0" y="0"/>
+          <a:ext cx="0" cy="0"/>
+          <a:chOff x="0" y="0"/>
+          <a:chExt cx="0" cy="0"/>
+        </a:xfrm>
+      </p:grpSpPr>
+      <p:sp>
+        <p:nvSpPr>
+          <p:cNvPr id="2" name="スライド イメージ プレースホルダー 1"/>
+          <p:cNvSpPr>
+            <a:spLocks noGrp="1" noRot="1" noChangeAspect="1"/>
+          </p:cNvSpPr>
+          <p:nvPr>
+            <p:ph type="sldImg"/>
+          </p:nvPr>
+        </p:nvSpPr>
+        <p:spPr>
+          <a:xfrm>
+            <a:off x="381000" y="685800"/>
+            <a:ext cx="6096000" cy="3429000"/>
+          </a:xfrm>
+        </p:spPr>
+      </p:sp>
+      <p:sp>
+        <p:nvSpPr>
+          <p:cNvPr id="3" name="ノート プレースホルダー 2"/>
+          <p:cNvSpPr>
+            <a:spLocks noGrp="1"/>
+          </p:cNvSpPr>
+          <p:nvPr>
+            <p:ph type="body" idx="1"/>
+          </p:nvPr>
+        </p:nvSpPr>
+        <p:spPr/>
+        <p:txBody>
+          <a:bodyPr/>
+          <a:lstStyle/>
+          <a:p>
+            <a:pPr marL="158750" indent="0">
+              <a:buNone/>
+            </a:pPr>
+            <a:r>
+              <a:rPr kumimoji="1" lang="en-US" altLang="ja-JP" dirty="0"/>
+              <a:t>So, </a:t>
+            </a:r>
+          </a:p>
+          <a:p>
+            <a:pPr marL="158750" indent="0">
+              <a:buNone/>
+            </a:pPr>
+            <a:r>
+              <a:rPr kumimoji="1" lang="en-US" altLang="ja-JP" baseline="0" dirty="0"/>
+              <a:t> We will try to markup the web page of biological databases and tools.</a:t>
+            </a:r>
+          </a:p>
+          <a:p>
+            <a:pPr marL="158750" indent="0">
+              <a:buNone/>
+            </a:pPr>
+            <a:r>
+              <a:rPr kumimoji="1" lang="en-US" altLang="ja-JP" baseline="0" dirty="0"/>
+              <a:t> and </a:t>
+            </a:r>
+          </a:p>
+          <a:p>
+            <a:pPr marL="158750" indent="0">
+              <a:buNone/>
+            </a:pPr>
+            <a:r>
+              <a:rPr kumimoji="1" lang="en-US" altLang="ja-JP" baseline="0" dirty="0"/>
+              <a:t> We would like to discuss about the markup methods and schema for biological tools.</a:t>
+            </a:r>
+          </a:p>
+          <a:p>
+            <a:pPr marL="158750" indent="0">
+              <a:buNone/>
+            </a:pPr>
+            <a:endParaRPr kumimoji="1" lang="en-US" altLang="ja-JP" baseline="0" dirty="0"/>
+          </a:p>
+          <a:p>
+            <a:pPr marL="158750" indent="0">
+              <a:buNone/>
+            </a:pPr>
+            <a:endParaRPr kumimoji="1" lang="ja-JP" altLang="en-US" dirty="0"/>
+          </a:p>
+        </p:txBody>
+      </p:sp>
+    </p:spTree>
+    <p:extLst>
+      <p:ext uri="{BB962C8B-B14F-4D97-AF65-F5344CB8AC3E}">
+        <p14:creationId xmlns:p14="http://schemas.microsoft.com/office/powerpoint/2010/main" val="1139054073"/>
       </p:ext>
     </p:extLst>
   </p:cSld>
@@ -6067,7 +7339,7 @@
             <a:pPr lvl="0"/>
             <a:r>
               <a:rPr lang="en-US" dirty="0"/>
-              <a:t>Putting structured data into individual entry pages in biological database</a:t>
+              <a:t>Putting structured data into individual entry pages in biological databases and tools</a:t>
             </a:r>
             <a:endParaRPr dirty="0"/>
           </a:p>
@@ -6109,11 +7381,7 @@
             </a:pPr>
             <a:r>
               <a:rPr lang="en" dirty="0"/>
-              <a:t>Proponent: </a:t>
-            </a:r>
-            <a:r>
-              <a:rPr lang="en" dirty="0" smtClean="0"/>
-              <a:t>Jun-ichi Onami, Tatsuya Kushida, Shigeru Yatsuzuka</a:t>
+              <a:t>Proponent: Jun-ichi Onami, Tatsuya Kushida, Shigeru Yatsuzuka</a:t>
             </a:r>
             <a:endParaRPr dirty="0"/>
           </a:p>
@@ -6146,7 +7414,7 @@
               </a:spcAft>
               <a:buNone/>
             </a:pPr>
-            <a:endParaRPr lang="en" dirty="0" smtClean="0"/>
+            <a:endParaRPr lang="en" dirty="0"/>
           </a:p>
           <a:p>
             <a:pPr marL="0" lvl="0" indent="0" algn="l" rtl="0">
@@ -6159,12 +7427,8 @@
               <a:buNone/>
             </a:pPr>
             <a:r>
-              <a:rPr lang="en" dirty="0" smtClean="0"/>
-              <a:t>Project </a:t>
-            </a:r>
-            <a:r>
               <a:rPr lang="en" dirty="0"/>
-              <a:t>links</a:t>
+              <a:t>Project links</a:t>
             </a:r>
             <a:endParaRPr dirty="0"/>
           </a:p>
@@ -6185,31 +7449,13 @@
               <a:t>https://github.com/elixir-europe/BioHackathon/tree/master/interoperability/Putting%20structured%20data%20into%20individual%20entry%20pages%20in%20biological%20database</a:t>
             </a:r>
             <a:r>
-              <a:rPr lang="en" sz="1400" u="sng" dirty="0" smtClean="0">
-                <a:solidFill>
-                  <a:schemeClr val="hlink"/>
-                </a:solidFill>
-                <a:hlinkClick r:id="rId3"/>
-              </a:rPr>
-              <a:t>http</a:t>
-            </a:r>
-            <a:r>
               <a:rPr lang="en" sz="1400" u="sng" dirty="0">
                 <a:solidFill>
                   <a:schemeClr val="hlink"/>
                 </a:solidFill>
                 <a:hlinkClick r:id="rId3"/>
               </a:rPr>
-              <a:t>://</a:t>
-            </a:r>
-            <a:r>
-              <a:rPr lang="en" sz="1400" u="sng" dirty="0" smtClean="0">
-                <a:solidFill>
-                  <a:schemeClr val="hlink"/>
-                </a:solidFill>
-                <a:hlinkClick r:id="rId3"/>
-              </a:rPr>
-              <a:t>github.io/your_repo</a:t>
+              <a:t>http://github.io/your_repo</a:t>
             </a:r>
             <a:endParaRPr sz="1400" dirty="0"/>
           </a:p>
@@ -6359,7 +7605,7 @@
         <p:spPr>
           <a:xfrm>
             <a:off x="539552" y="1196752"/>
-            <a:ext cx="7920880" cy="2308324"/>
+            <a:ext cx="7920880" cy="2677656"/>
           </a:xfrm>
           <a:prstGeom prst="rect">
             <a:avLst/>
@@ -6373,7 +7619,7 @@
           <a:lstStyle/>
           <a:p>
             <a:r>
-              <a:rPr lang="en-US" altLang="ja-JP" sz="2400" dirty="0" smtClean="0">
+              <a:rPr lang="en-US" altLang="ja-JP" sz="2400" dirty="0">
                 <a:solidFill>
                   <a:srgbClr val="FFC000"/>
                 </a:solidFill>
@@ -6390,17 +7636,27 @@
           </a:p>
           <a:p>
             <a:r>
-              <a:rPr lang="en-US" altLang="ja-JP" sz="2400" dirty="0" smtClean="0">
+              <a:rPr lang="en-US" altLang="ja-JP" sz="2400" dirty="0">
                 <a:solidFill>
                   <a:srgbClr val="FFC000"/>
                 </a:solidFill>
               </a:rPr>
-              <a:t> 13rd. Nov. Discussion about schema for biological tools</a:t>
-            </a:r>
-          </a:p>
-          <a:p>
-            <a:r>
-              <a:rPr lang="en-US" altLang="ja-JP" sz="2400" dirty="0" smtClean="0">
+              <a:t> 13th. Nov. Discussion about schema for biological</a:t>
+            </a:r>
+          </a:p>
+          <a:p>
+            <a:r>
+              <a:rPr lang="en-US" altLang="ja-JP" sz="2400" dirty="0">
+                <a:solidFill>
+                  <a:srgbClr val="FFC000"/>
+                </a:solidFill>
+              </a:rPr>
+              <a:t>  databases and tools</a:t>
+            </a:r>
+          </a:p>
+          <a:p>
+            <a:r>
+              <a:rPr lang="en-US" altLang="ja-JP" sz="2400" dirty="0">
                 <a:solidFill>
                   <a:srgbClr val="FFC000"/>
                 </a:solidFill>
@@ -6415,7 +7671,7 @@
           </a:p>
           <a:p>
             <a:r>
-              <a:rPr lang="en-US" altLang="ja-JP" sz="2400" dirty="0" smtClean="0">
+              <a:rPr lang="en-US" altLang="ja-JP" sz="2400" dirty="0">
                 <a:solidFill>
                   <a:srgbClr val="FFC000"/>
                 </a:solidFill>
@@ -6430,7 +7686,7 @@
           </a:p>
           <a:p>
             <a:r>
-              <a:rPr lang="en-US" altLang="ja-JP" sz="2400" dirty="0" smtClean="0">
+              <a:rPr lang="en-US" altLang="ja-JP" sz="2400" dirty="0">
                 <a:solidFill>
                   <a:srgbClr val="FFC000"/>
                 </a:solidFill>
@@ -6510,10 +7766,10 @@
               <a:buNone/>
             </a:pPr>
             <a:r>
-              <a:rPr lang="en"/>
+              <a:rPr lang="en" dirty="0"/>
               <a:t>Post-biohackathon perspectives</a:t>
             </a:r>
-            <a:endParaRPr/>
+            <a:endParaRPr dirty="0"/>
           </a:p>
         </p:txBody>
       </p:sp>
@@ -6560,7 +7816,7 @@
               <a:buChar char="●"/>
             </a:pPr>
             <a:r>
-              <a:rPr lang="en" sz="2000" dirty="0" smtClean="0"/>
+              <a:rPr lang="en" sz="2000" dirty="0"/>
               <a:t>Putting constructed data into some public databases</a:t>
             </a:r>
           </a:p>
@@ -6583,8 +7839,8 @@
               <a:buChar char="●"/>
             </a:pPr>
             <a:r>
-              <a:rPr lang="en" sz="2000" dirty="0" smtClean="0"/>
-              <a:t>Optimizing our our Life Science Cross Search to discussed schema</a:t>
+              <a:rPr lang="en" sz="2000" dirty="0"/>
+              <a:t>Optimizing our Life Science Cross Search to discussed schema</a:t>
             </a:r>
           </a:p>
           <a:p>
@@ -6605,7 +7861,7 @@
               <a:buFont typeface="Arial"/>
               <a:buChar char="●"/>
             </a:pPr>
-            <a:endParaRPr lang="en-US" sz="2000" dirty="0" smtClean="0"/>
+            <a:endParaRPr lang="en-US" sz="2000" dirty="0"/>
           </a:p>
           <a:p>
             <a:pPr marL="127000" marR="0" lvl="0" indent="0" algn="l" rtl="0">
@@ -6625,7 +7881,7 @@
               <a:buNone/>
             </a:pPr>
             <a:r>
-              <a:rPr lang="en-US" sz="2000" dirty="0" smtClean="0">
+              <a:rPr lang="en-US" sz="2000" dirty="0">
                 <a:sym typeface="Wingdings" panose="05000000000000000000" pitchFamily="2" charset="2"/>
               </a:rPr>
               <a:t> Find the best practice to put good schema markup into biological database web page</a:t>
@@ -6736,10 +7992,10 @@
               <a:buNone/>
             </a:pPr>
             <a:r>
-              <a:rPr lang="en"/>
+              <a:rPr lang="en" dirty="0"/>
               <a:t>Contact and links</a:t>
             </a:r>
-            <a:endParaRPr/>
+            <a:endParaRPr dirty="0"/>
           </a:p>
         </p:txBody>
       </p:sp>
@@ -6796,7 +8052,7 @@
               <a:buChar char="○"/>
             </a:pPr>
             <a:r>
-              <a:rPr lang="en" dirty="0" smtClean="0"/>
+              <a:rPr lang="en" dirty="0"/>
               <a:t>Jun-ichi Onami (onami@biosciencedbc.jp)</a:t>
             </a:r>
           </a:p>
@@ -6807,7 +8063,7 @@
               </a:spcBef>
             </a:pPr>
             <a:r>
-              <a:rPr lang="en" dirty="0" smtClean="0"/>
+              <a:rPr lang="en" dirty="0"/>
               <a:t>Tatsuya Kushida (kushida@</a:t>
             </a:r>
             <a:r>
@@ -6815,7 +8071,7 @@
               <a:t>biosciencedbc.jp</a:t>
             </a:r>
             <a:r>
-              <a:rPr lang="en" dirty="0" smtClean="0"/>
+              <a:rPr lang="en" dirty="0"/>
               <a:t>)</a:t>
             </a:r>
           </a:p>
@@ -6831,7 +8087,7 @@
               <a:buChar char="○"/>
             </a:pPr>
             <a:r>
-              <a:rPr lang="en" dirty="0" smtClean="0"/>
+              <a:rPr lang="en" dirty="0"/>
               <a:t>Shigeru Yatsuzuka (yatsuzuka@biosciencedbc.jp)</a:t>
             </a:r>
             <a:endParaRPr dirty="0"/>
@@ -6847,7 +8103,7 @@
               <a:buSzPts val="1600"/>
               <a:buChar char="●"/>
             </a:pPr>
-            <a:endParaRPr lang="en" dirty="0" smtClean="0"/>
+            <a:endParaRPr lang="en" dirty="0"/>
           </a:p>
           <a:p>
             <a:pPr marL="457200" lvl="0" indent="-330200" algn="l" rtl="0">
@@ -6861,12 +8117,8 @@
               <a:buChar char="●"/>
             </a:pPr>
             <a:r>
-              <a:rPr lang="en" dirty="0" smtClean="0"/>
-              <a:t>Links </a:t>
-            </a:r>
-            <a:r>
               <a:rPr lang="en" dirty="0"/>
-              <a:t>related to the project</a:t>
+              <a:t>Links related to the project</a:t>
             </a:r>
             <a:endParaRPr dirty="0"/>
           </a:p>
@@ -6877,7 +8129,7 @@
               </a:lnSpc>
             </a:pPr>
             <a:r>
-              <a:rPr lang="en-US" dirty="0" smtClean="0"/>
+              <a:rPr lang="en-US" dirty="0"/>
               <a:t>Life Science Cross search </a:t>
             </a:r>
           </a:p>
@@ -6889,12 +8141,8 @@
               <a:buNone/>
             </a:pPr>
             <a:r>
-              <a:rPr lang="en-US" dirty="0" smtClean="0"/>
-              <a:t>      https</a:t>
-            </a:r>
-            <a:r>
               <a:rPr lang="en-US" dirty="0"/>
-              <a:t>://biosciencedbc.jp/dbsearch/index.php?lang=en</a:t>
+              <a:t>      https://biosciencedbc.jp/dbsearch/index.php?lang=en</a:t>
             </a:r>
             <a:endParaRPr dirty="0"/>
           </a:p>
@@ -7027,25 +8275,20 @@
           <a:lstStyle/>
           <a:p>
             <a:r>
-              <a:rPr kumimoji="1" lang="en-US" altLang="ja-JP" dirty="0" smtClean="0"/>
+              <a:rPr kumimoji="1" lang="en-US" altLang="ja-JP" dirty="0"/>
               <a:t>+α </a:t>
             </a:r>
             <a:r>
               <a:rPr lang="en-US" altLang="ja-JP" dirty="0"/>
               <a:t>Database (archive) page example: FANTOM5</a:t>
-            </a:r>
-            <a:r>
-              <a:rPr kumimoji="1" lang="ja-JP" altLang="en-US" dirty="0"/>
-              <a:t/>
             </a:r>
             <a:br>
               <a:rPr kumimoji="1" lang="ja-JP" altLang="en-US" dirty="0"/>
             </a:br>
             <a:r>
-              <a:rPr kumimoji="1" lang="ja-JP" altLang="en-US" dirty="0" smtClean="0"/>
+              <a:rPr kumimoji="1" lang="ja-JP" altLang="en-US" dirty="0"/>
               <a:t> </a:t>
             </a:r>
-            <a:endParaRPr kumimoji="1" lang="ja-JP" altLang="en-US" dirty="0"/>
           </a:p>
         </p:txBody>
       </p:sp>
@@ -7157,19 +8400,7 @@
           <a:p>
             <a:r>
               <a:rPr kumimoji="1" lang="en-US" altLang="ja-JP" dirty="0"/>
-              <a:t>+</a:t>
-            </a:r>
-            <a:r>
-              <a:rPr kumimoji="1" lang="en-US" altLang="ja-JP" dirty="0" smtClean="0"/>
-              <a:t>α </a:t>
-            </a:r>
-            <a:r>
-              <a:rPr kumimoji="1" lang="en-US" altLang="ja-JP" dirty="0"/>
-              <a:t>Google Dataset Search result</a:t>
-            </a:r>
-            <a:r>
-              <a:rPr kumimoji="1" lang="ja-JP" altLang="en-US" dirty="0"/>
-              <a:t/>
+              <a:t>+α Google Dataset Search result</a:t>
             </a:r>
             <a:br>
               <a:rPr kumimoji="1" lang="ja-JP" altLang="en-US" dirty="0"/>
@@ -7286,18 +8517,10 @@
           <a:p>
             <a:r>
               <a:rPr kumimoji="1" lang="en-US" altLang="ja-JP" dirty="0"/>
-              <a:t>+</a:t>
-            </a:r>
-            <a:r>
-              <a:rPr kumimoji="1" lang="en-US" altLang="ja-JP" dirty="0" smtClean="0"/>
-              <a:t>α </a:t>
-            </a:r>
-            <a:r>
-              <a:rPr kumimoji="1" lang="en-US" altLang="ja-JP" dirty="0"/>
-              <a:t>Example of </a:t>
-            </a:r>
-            <a:r>
-              <a:rPr kumimoji="1" lang="en-US" altLang="ja-JP" dirty="0" err="1" smtClean="0"/>
+              <a:t>+α Example of </a:t>
+            </a:r>
+            <a:r>
+              <a:rPr kumimoji="1" lang="en-US" altLang="ja-JP" dirty="0" err="1"/>
               <a:t>FAIRsharing</a:t>
             </a:r>
             <a:endParaRPr kumimoji="1" lang="ja-JP" altLang="en-US" dirty="0"/>
@@ -7504,13 +8727,8 @@
           <a:p>
             <a:r>
               <a:rPr lang="en-US" altLang="ja-JP" sz="1200" dirty="0"/>
-              <a:t>        "description": "If a database is </a:t>
-            </a:r>
-            <a:r>
-              <a:rPr lang="en-US" altLang="ja-JP" sz="1200" dirty="0" smtClean="0"/>
-              <a:t>…", </a:t>
-            </a:r>
-            <a:endParaRPr lang="en-US" altLang="ja-JP" sz="1200" dirty="0"/>
+              <a:t>        "description": "If a database is …", </a:t>
+            </a:r>
           </a:p>
           <a:p>
             <a:r>
@@ -7529,13 +8747,8 @@
             </a:r>
             <a:r>
               <a:rPr lang="en-US" altLang="ja-JP" sz="1200" dirty="0"/>
-              <a:t>/4.0/. </a:t>
-            </a:r>
-            <a:r>
-              <a:rPr lang="en-US" altLang="ja-JP" sz="1200" dirty="0" smtClean="0"/>
-              <a:t>...", </a:t>
-            </a:r>
-            <a:endParaRPr lang="en-US" altLang="ja-JP" sz="1200" dirty="0"/>
+              <a:t>/4.0/. ...", </a:t>
+            </a:r>
           </a:p>
           <a:p>
             <a:r>
@@ -7613,18 +8826,10 @@
           <a:p>
             <a:r>
               <a:rPr kumimoji="1" lang="en-US" altLang="ja-JP" dirty="0"/>
-              <a:t>+</a:t>
-            </a:r>
-            <a:r>
-              <a:rPr kumimoji="1" lang="en-US" altLang="ja-JP" dirty="0" smtClean="0"/>
-              <a:t>α </a:t>
-            </a:r>
-            <a:r>
-              <a:rPr kumimoji="1" lang="en-US" altLang="ja-JP" dirty="0"/>
-              <a:t>Example of </a:t>
-            </a:r>
-            <a:r>
-              <a:rPr kumimoji="1" lang="en-US" altLang="ja-JP" dirty="0" err="1" smtClean="0"/>
+              <a:t>+α Example of </a:t>
+            </a:r>
+            <a:r>
+              <a:rPr kumimoji="1" lang="en-US" altLang="ja-JP" dirty="0" err="1"/>
               <a:t>UniProt</a:t>
             </a:r>
             <a:endParaRPr kumimoji="1" lang="ja-JP" altLang="en-US" dirty="0"/>
@@ -7852,7 +9057,7 @@
           <p:nvPr/>
         </p:nvPicPr>
         <p:blipFill>
-          <a:blip r:embed="rId2"/>
+          <a:blip r:embed="rId3"/>
           <a:stretch>
             <a:fillRect/>
           </a:stretch>
@@ -7876,7 +9081,7 @@
           <p:nvPr/>
         </p:nvPicPr>
         <p:blipFill>
-          <a:blip r:embed="rId3"/>
+          <a:blip r:embed="rId4"/>
           <a:stretch>
             <a:fillRect/>
           </a:stretch>
@@ -7900,7 +9105,7 @@
           <p:nvPr/>
         </p:nvPicPr>
         <p:blipFill>
-          <a:blip r:embed="rId4"/>
+          <a:blip r:embed="rId5"/>
           <a:stretch>
             <a:fillRect/>
           </a:stretch>
@@ -7978,7 +9183,7 @@
           <a:lstStyle/>
           <a:p>
             <a:r>
-              <a:rPr kumimoji="1" lang="en-US" altLang="ja-JP" dirty="0" smtClean="0">
+              <a:rPr kumimoji="1" lang="en-US" altLang="ja-JP" dirty="0">
                 <a:solidFill>
                   <a:srgbClr val="FFC000"/>
                 </a:solidFill>
@@ -8099,7 +9304,7 @@
           <p:nvPr/>
         </p:nvPicPr>
         <p:blipFill>
-          <a:blip r:embed="rId2"/>
+          <a:blip r:embed="rId3"/>
           <a:stretch>
             <a:fillRect/>
           </a:stretch>
@@ -8142,7 +9347,7 @@
           <a:lstStyle/>
           <a:p>
             <a:r>
-              <a:rPr lang="en-US" altLang="ja-JP" sz="2400" dirty="0" smtClean="0">
+              <a:rPr lang="en-US" altLang="ja-JP" sz="2400" dirty="0">
                 <a:solidFill>
                   <a:srgbClr val="FFC000"/>
                 </a:solidFill>
@@ -8430,7 +9635,7 @@
           <a:lstStyle/>
           <a:p>
             <a:r>
-              <a:rPr kumimoji="1" lang="en-US" altLang="ja-JP" dirty="0" smtClean="0">
+              <a:rPr kumimoji="1" lang="en-US" altLang="ja-JP" dirty="0">
                 <a:solidFill>
                   <a:srgbClr val="FFC000"/>
                 </a:solidFill>
@@ -8468,7 +9673,7 @@
           <a:lstStyle/>
           <a:p>
             <a:r>
-              <a:rPr kumimoji="1" lang="en-US" altLang="ja-JP" dirty="0" smtClean="0">
+              <a:rPr kumimoji="1" lang="en-US" altLang="ja-JP" dirty="0">
                 <a:solidFill>
                   <a:srgbClr val="FFC000"/>
                 </a:solidFill>
@@ -8506,7 +9711,7 @@
           <a:lstStyle/>
           <a:p>
             <a:r>
-              <a:rPr lang="en-US" altLang="ja-JP" dirty="0" smtClean="0">
+              <a:rPr lang="en-US" altLang="ja-JP" dirty="0">
                 <a:solidFill>
                   <a:srgbClr val="FFC000"/>
                 </a:solidFill>
@@ -8544,7 +9749,7 @@
           <a:lstStyle/>
           <a:p>
             <a:r>
-              <a:rPr lang="en-US" altLang="ja-JP" dirty="0" smtClean="0">
+              <a:rPr lang="en-US" altLang="ja-JP" dirty="0">
                 <a:solidFill>
                   <a:srgbClr val="FFC000"/>
                 </a:solidFill>
@@ -8582,7 +9787,7 @@
           <a:lstStyle/>
           <a:p>
             <a:r>
-              <a:rPr lang="en-US" altLang="ja-JP" dirty="0" smtClean="0">
+              <a:rPr lang="en-US" altLang="ja-JP" dirty="0">
                 <a:solidFill>
                   <a:srgbClr val="FFC000"/>
                 </a:solidFill>
@@ -8806,7 +10011,7 @@
           <a:lstStyle/>
           <a:p>
             <a:r>
-              <a:rPr kumimoji="1" lang="en-US" altLang="ja-JP" sz="2400" dirty="0" smtClean="0">
+              <a:rPr kumimoji="1" lang="en-US" altLang="ja-JP" sz="2400" dirty="0">
                 <a:solidFill>
                   <a:srgbClr val="FFC000"/>
                 </a:solidFill>
@@ -8860,7 +10065,7 @@
           <p:nvPr/>
         </p:nvPicPr>
         <p:blipFill>
-          <a:blip r:embed="rId2"/>
+          <a:blip r:embed="rId3"/>
           <a:stretch>
             <a:fillRect/>
           </a:stretch>
@@ -8938,7 +10143,7 @@
           <a:lstStyle/>
           <a:p>
             <a:r>
-              <a:rPr kumimoji="1" lang="en-US" altLang="ja-JP" sz="2400" dirty="0" smtClean="0">
+              <a:rPr kumimoji="1" lang="en-US" altLang="ja-JP" sz="2400" dirty="0">
                 <a:solidFill>
                   <a:srgbClr val="FFC000"/>
                 </a:solidFill>
@@ -8948,7 +10153,7 @@
           </a:p>
           <a:p>
             <a:r>
-              <a:rPr lang="en-US" altLang="ja-JP" sz="2400" dirty="0" smtClean="0">
+              <a:rPr lang="en-US" altLang="ja-JP" sz="2400" dirty="0">
                 <a:solidFill>
                   <a:srgbClr val="FFC000"/>
                 </a:solidFill>
@@ -8993,7 +10198,7 @@
           <a:lstStyle/>
           <a:p>
             <a:r>
-              <a:rPr lang="en-US" altLang="ja-JP" sz="1400" dirty="0" smtClean="0"/>
+              <a:rPr lang="en-US" altLang="ja-JP" sz="1400" dirty="0"/>
               <a:t>***HTML SOURCE***</a:t>
             </a:r>
           </a:p>
@@ -9010,13 +10215,13 @@
               <a:t>ld+json</a:t>
             </a:r>
             <a:r>
-              <a:rPr lang="en-US" altLang="ja-JP" sz="1400" dirty="0" smtClean="0"/>
+              <a:rPr lang="en-US" altLang="ja-JP" sz="1400" dirty="0"/>
               <a:t>"&gt;</a:t>
             </a:r>
           </a:p>
           <a:p>
             <a:r>
-              <a:rPr lang="en-US" altLang="ja-JP" sz="1400" dirty="0" smtClean="0"/>
+              <a:rPr lang="en-US" altLang="ja-JP" sz="1400" dirty="0"/>
               <a:t>   {"@</a:t>
             </a:r>
             <a:r>
@@ -9031,30 +10236,13 @@
           <a:p>
             <a:r>
               <a:rPr lang="en-US" altLang="ja-JP" sz="1400" dirty="0"/>
-              <a:t>	</a:t>
-            </a:r>
-            <a:r>
-              <a:rPr lang="en-US" altLang="ja-JP" sz="1400" dirty="0" smtClean="0"/>
-              <a:t>...........................</a:t>
-            </a:r>
-            <a:endParaRPr lang="en-US" altLang="ja-JP" sz="1400" dirty="0"/>
+              <a:t>	...........................</a:t>
+            </a:r>
           </a:p>
           <a:p>
             <a:r>
               <a:rPr lang="en-US" altLang="ja-JP" sz="1400" dirty="0"/>
-              <a:t> </a:t>
-            </a:r>
-            <a:r>
-              <a:rPr lang="en-US" altLang="ja-JP" sz="1400" dirty="0" smtClean="0"/>
-              <a:t>	</a:t>
-            </a:r>
-            <a:r>
-              <a:rPr lang="en-US" altLang="ja-JP" sz="1400" dirty="0" smtClean="0">
-                <a:solidFill>
-                  <a:srgbClr val="FF0000"/>
-                </a:solidFill>
-              </a:rPr>
-              <a:t>"</a:t>
+              <a:t> 	</a:t>
             </a:r>
             <a:r>
               <a:rPr lang="en-US" altLang="ja-JP" sz="1400" dirty="0">
@@ -9062,7 +10250,7 @@
                   <a:srgbClr val="FF0000"/>
                 </a:solidFill>
               </a:rPr>
-              <a:t>totalTime":"PT1H15M"</a:t>
+              <a:t>"totalTime":"PT1H15M"</a:t>
             </a:r>
             <a:r>
               <a:rPr lang="en-US" altLang="ja-JP" sz="1400" dirty="0"/>
@@ -9071,7 +10259,7 @@
           </a:p>
           <a:p>
             <a:r>
-              <a:rPr lang="en-US" altLang="ja-JP" sz="1400" dirty="0" smtClean="0"/>
+              <a:rPr lang="en-US" altLang="ja-JP" sz="1400" dirty="0"/>
               <a:t>	"</a:t>
             </a:r>
             <a:r>
@@ -9087,7 +10275,7 @@
               <a:t>AggregateRating</a:t>
             </a:r>
             <a:r>
-              <a:rPr lang="en-US" altLang="ja-JP" sz="1400" dirty="0" smtClean="0"/>
+              <a:rPr lang="en-US" altLang="ja-JP" sz="1400" dirty="0"/>
               <a:t>",</a:t>
             </a:r>
           </a:p>
@@ -9095,14 +10283,6 @@
             <a:r>
               <a:rPr lang="en-US" altLang="ja-JP" sz="1400" dirty="0"/>
               <a:t>	</a:t>
-            </a:r>
-            <a:r>
-              <a:rPr lang="en-US" altLang="ja-JP" sz="1400" dirty="0" smtClean="0">
-                <a:solidFill>
-                  <a:srgbClr val="FF0000"/>
-                </a:solidFill>
-              </a:rPr>
-              <a:t>"</a:t>
             </a:r>
             <a:r>
               <a:rPr lang="en-US" altLang="ja-JP" sz="1400" dirty="0">
@@ -9110,7 +10290,7 @@
                   <a:srgbClr val="FF0000"/>
                 </a:solidFill>
               </a:rPr>
-              <a:t>ratingValue":"5.0"</a:t>
+              <a:t>"ratingValue":"5.0"</a:t>
             </a:r>
             <a:r>
               <a:rPr lang="en-US" altLang="ja-JP" sz="1400" dirty="0"/>
@@ -9132,41 +10312,21 @@
           <a:p>
             <a:r>
               <a:rPr lang="en-US" altLang="ja-JP" sz="1400" dirty="0"/>
-              <a:t> </a:t>
-            </a:r>
-            <a:r>
-              <a:rPr lang="en-US" altLang="ja-JP" sz="1400" dirty="0" smtClean="0"/>
-              <a:t>	"</a:t>
-            </a:r>
-            <a:r>
-              <a:rPr lang="en-US" altLang="ja-JP" sz="1400" dirty="0"/>
-              <a:t>nutrition":{"@type":"</a:t>
+              <a:t> 	"nutrition":{"@type":"</a:t>
             </a:r>
             <a:r>
               <a:rPr lang="en-US" altLang="ja-JP" sz="1400" dirty="0" err="1"/>
               <a:t>NutritionInformation</a:t>
             </a:r>
             <a:r>
-              <a:rPr lang="en-US" altLang="ja-JP" sz="1400" dirty="0" smtClean="0"/>
+              <a:rPr lang="en-US" altLang="ja-JP" sz="1400" dirty="0"/>
               <a:t>",</a:t>
             </a:r>
           </a:p>
           <a:p>
             <a:r>
               <a:rPr lang="en-US" altLang="ja-JP" sz="1400" dirty="0"/>
-              <a:t> </a:t>
-            </a:r>
-            <a:r>
-              <a:rPr lang="en-US" altLang="ja-JP" sz="1400" dirty="0" smtClean="0"/>
-              <a:t>	</a:t>
-            </a:r>
-            <a:r>
-              <a:rPr lang="en-US" altLang="ja-JP" sz="1400" dirty="0" smtClean="0">
-                <a:solidFill>
-                  <a:srgbClr val="FF0000"/>
-                </a:solidFill>
-              </a:rPr>
-              <a:t>"</a:t>
+              <a:t> 	</a:t>
             </a:r>
             <a:r>
               <a:rPr lang="en-US" altLang="ja-JP" sz="1400" dirty="0">
@@ -9174,7 +10334,7 @@
                   <a:srgbClr val="FF0000"/>
                 </a:solidFill>
               </a:rPr>
-              <a:t>calories":"503.5"</a:t>
+              <a:t>"calories":"503.5"</a:t>
             </a:r>
             <a:r>
               <a:rPr lang="en-US" altLang="ja-JP" sz="1400" dirty="0"/>
@@ -9184,14 +10344,10 @@
           <a:p>
             <a:r>
               <a:rPr lang="en-US" altLang="ja-JP" sz="1400" dirty="0"/>
-              <a:t> </a:t>
-            </a:r>
-            <a:r>
-              <a:rPr lang="en-US" altLang="ja-JP" sz="1400" dirty="0" smtClean="0"/>
-              <a:t>	</a:t>
-            </a:r>
-            <a:r>
-              <a:rPr lang="en-US" altLang="ja-JP" sz="1400" dirty="0" smtClean="0">
+              <a:t> 	</a:t>
+            </a:r>
+            <a:r>
+              <a:rPr lang="en-US" altLang="ja-JP" sz="1400" dirty="0">
                 <a:solidFill>
                   <a:srgbClr val="FF0000"/>
                 </a:solidFill>
@@ -9216,45 +10372,33 @@
             </a:r>
             <a:r>
               <a:rPr lang="en-US" altLang="ja-JP" sz="1400" dirty="0"/>
-              <a:t>:"https://images.video.snidigital.com</a:t>
-            </a:r>
-            <a:r>
-              <a:rPr lang="en-US" altLang="ja-JP" sz="1400" dirty="0" smtClean="0"/>
-              <a:t>/	image/upload/w_1024,h_576,c_fit/prod/genius/sni1	</a:t>
-            </a:r>
-            <a:r>
-              <a:rPr lang="en-US" altLang="ja-JP" sz="1400" dirty="0" err="1" smtClean="0"/>
+              <a:t>:"https://images.video.snidigital.com/	image/upload/w_1024,h_576,c_fit/prod/genius/sni1	</a:t>
+            </a:r>
+            <a:r>
+              <a:rPr lang="en-US" altLang="ja-JP" sz="1400" dirty="0" err="1"/>
               <a:t>uss-aakamaihdnetScripps</a:t>
             </a:r>
             <a:r>
-              <a:rPr lang="en-US" altLang="ja-JP" sz="1400" dirty="0" smtClean="0"/>
-              <a:t>_-	_Genius_Kitchen129781170925_4179510_Best_E	ver_Banana_Cake_1517343623jpg.jpg</a:t>
-            </a:r>
-            <a:r>
               <a:rPr lang="en-US" altLang="ja-JP" sz="1400" dirty="0"/>
-              <a:t>",</a:t>
-            </a:r>
-          </a:p>
-          <a:p>
-            <a:r>
-              <a:rPr lang="en-US" altLang="ja-JP" sz="1400" dirty="0" smtClean="0"/>
+              <a:t>_-	_Genius_Kitchen129781170925_4179510_Best_E	ver_Banana_Cake_1517343623jpg.jpg",</a:t>
+            </a:r>
+          </a:p>
+          <a:p>
+            <a:r>
+              <a:rPr lang="en-US" altLang="ja-JP" sz="1400" dirty="0"/>
               <a:t>	...........................</a:t>
             </a:r>
           </a:p>
           <a:p>
             <a:r>
-              <a:rPr lang="en-US" altLang="ja-JP" sz="1400" dirty="0" smtClean="0"/>
+              <a:rPr lang="en-US" altLang="ja-JP" sz="1400" dirty="0"/>
               <a:t>   }</a:t>
             </a:r>
           </a:p>
           <a:p>
             <a:r>
-              <a:rPr lang="en-US" altLang="ja-JP" sz="1400" dirty="0" smtClean="0"/>
-              <a:t>&lt;/</a:t>
-            </a:r>
-            <a:r>
               <a:rPr lang="en-US" altLang="ja-JP" sz="1400" dirty="0"/>
-              <a:t>script&gt;</a:t>
+              <a:t>&lt;/script&gt;</a:t>
             </a:r>
           </a:p>
         </p:txBody>
@@ -9282,7 +10426,7 @@
           <a:lstStyle/>
           <a:p>
             <a:r>
-              <a:rPr kumimoji="1" lang="en-US" altLang="ja-JP" sz="2400" dirty="0" smtClean="0">
+              <a:rPr kumimoji="1" lang="en-US" altLang="ja-JP" sz="2400" dirty="0">
                 <a:solidFill>
                   <a:srgbClr val="FFC000"/>
                 </a:solidFill>
@@ -9336,7 +10480,7 @@
           <p:nvPr/>
         </p:nvPicPr>
         <p:blipFill>
-          <a:blip r:embed="rId2"/>
+          <a:blip r:embed="rId3"/>
           <a:stretch>
             <a:fillRect/>
           </a:stretch>
@@ -9379,7 +10523,7 @@
           <a:lstStyle/>
           <a:p>
             <a:r>
-              <a:rPr kumimoji="1" lang="en-US" altLang="ja-JP" sz="2400" dirty="0" smtClean="0">
+              <a:rPr kumimoji="1" lang="en-US" altLang="ja-JP" sz="2400" dirty="0">
                 <a:solidFill>
                   <a:srgbClr val="FFC000"/>
                 </a:solidFill>
@@ -9434,8 +10578,8 @@
         </p:nvSpPr>
         <p:spPr>
           <a:xfrm>
-            <a:off x="1908158" y="4302864"/>
-            <a:ext cx="4998484" cy="830997"/>
+            <a:off x="1292358" y="3973255"/>
+            <a:ext cx="6590266" cy="830997"/>
           </a:xfrm>
           <a:prstGeom prst="rect">
             <a:avLst/>
@@ -9453,12 +10597,12 @@
               <a:buChar char="•"/>
             </a:pPr>
             <a:r>
-              <a:rPr lang="en-US" altLang="ja-JP" sz="2400" dirty="0" smtClean="0">
+              <a:rPr lang="en-US" altLang="ja-JP" sz="2400" dirty="0">
                 <a:solidFill>
                   <a:srgbClr val="FFC000"/>
                 </a:solidFill>
               </a:rPr>
-              <a:t>based on schema.org/Recipe</a:t>
+              <a:t>Based on schema.org/Recipe</a:t>
             </a:r>
           </a:p>
           <a:p>
@@ -9467,14 +10611,14 @@
               <a:buChar char="•"/>
             </a:pPr>
             <a:r>
-              <a:rPr lang="en-US" altLang="ja-JP" sz="2400" dirty="0" smtClean="0">
+              <a:rPr lang="en-US" altLang="ja-JP" sz="2400" dirty="0">
                 <a:solidFill>
                   <a:srgbClr val="FFC000"/>
                 </a:solidFill>
               </a:rPr>
-              <a:t>not all schema data are reflected</a:t>
-            </a:r>
-            <a:endParaRPr kumimoji="1" lang="en-US" altLang="ja-JP" sz="2400" dirty="0" smtClean="0">
+              <a:t>Actually, not all of Recipe schemas are used</a:t>
+            </a:r>
+            <a:endParaRPr kumimoji="1" lang="en-US" altLang="ja-JP" sz="2400" dirty="0">
               <a:solidFill>
                 <a:srgbClr val="FFC000"/>
               </a:solidFill>
@@ -9594,14 +10738,14 @@
           <p:nvPr/>
         </p:nvPicPr>
         <p:blipFill>
-          <a:blip r:embed="rId2"/>
+          <a:blip r:embed="rId3"/>
           <a:stretch>
             <a:fillRect/>
           </a:stretch>
         </p:blipFill>
         <p:spPr>
           <a:xfrm>
-            <a:off x="820873" y="1786592"/>
+            <a:off x="357759" y="1725036"/>
             <a:ext cx="3032844" cy="1180308"/>
           </a:xfrm>
           <a:prstGeom prst="rect">
@@ -9623,14 +10767,14 @@
           <p:nvPr/>
         </p:nvPicPr>
         <p:blipFill>
-          <a:blip r:embed="rId3"/>
+          <a:blip r:embed="rId4"/>
           <a:stretch>
             <a:fillRect/>
           </a:stretch>
         </p:blipFill>
         <p:spPr>
           <a:xfrm>
-            <a:off x="843111" y="3050796"/>
+            <a:off x="1706947" y="2982632"/>
             <a:ext cx="3020413" cy="1588514"/>
           </a:xfrm>
           <a:prstGeom prst="rect">
@@ -9740,7 +10884,7 @@
           <p:nvPr/>
         </p:nvPicPr>
         <p:blipFill>
-          <a:blip r:embed="rId4" cstate="print"/>
+          <a:blip r:embed="rId5" cstate="print"/>
           <a:srcRect/>
           <a:stretch>
             <a:fillRect/>
@@ -9786,7 +10930,7 @@
           <a:lstStyle/>
           <a:p>
             <a:r>
-              <a:rPr kumimoji="1" lang="en-US" altLang="ja-JP" dirty="0" smtClean="0">
+              <a:rPr kumimoji="1" lang="en-US" altLang="ja-JP" dirty="0">
                 <a:solidFill>
                   <a:schemeClr val="accent1"/>
                 </a:solidFill>
@@ -9796,7 +10940,7 @@
           </a:p>
           <a:p>
             <a:r>
-              <a:rPr kumimoji="1" lang="en-US" altLang="ja-JP" dirty="0" smtClean="0">
+              <a:rPr kumimoji="1" lang="en-US" altLang="ja-JP" dirty="0">
                 <a:solidFill>
                   <a:schemeClr val="accent1"/>
                 </a:solidFill>
@@ -9836,7 +10980,7 @@
           <a:lstStyle/>
           <a:p>
             <a:r>
-              <a:rPr kumimoji="1" lang="en-US" altLang="ja-JP" dirty="0" smtClean="0">
+              <a:rPr kumimoji="1" lang="en-US" altLang="ja-JP" dirty="0">
                 <a:solidFill>
                   <a:schemeClr val="tx1"/>
                 </a:solidFill>
@@ -9846,7 +10990,7 @@
           </a:p>
           <a:p>
             <a:r>
-              <a:rPr kumimoji="1" lang="en-US" altLang="ja-JP" dirty="0" smtClean="0">
+              <a:rPr kumimoji="1" lang="en-US" altLang="ja-JP" dirty="0">
                 <a:solidFill>
                   <a:schemeClr val="tx1"/>
                 </a:solidFill>
@@ -9886,7 +11030,7 @@
           <a:lstStyle/>
           <a:p>
             <a:r>
-              <a:rPr kumimoji="1" lang="en-US" altLang="ja-JP" dirty="0" smtClean="0">
+              <a:rPr kumimoji="1" lang="en-US" altLang="ja-JP" dirty="0">
                 <a:solidFill>
                   <a:schemeClr val="tx1"/>
                 </a:solidFill>
@@ -9896,28 +11040,12 @@
           </a:p>
           <a:p>
             <a:r>
-              <a:rPr lang="en-US" altLang="ja-JP" dirty="0" smtClean="0">
+              <a:rPr lang="en-US" altLang="ja-JP" dirty="0">
                 <a:solidFill>
                   <a:schemeClr val="tx1"/>
                 </a:solidFill>
               </a:rPr>
-              <a:t>(</a:t>
-            </a:r>
-            <a:r>
-              <a:rPr lang="en-US" altLang="ja-JP" dirty="0" err="1" smtClean="0">
-                <a:solidFill>
-                  <a:schemeClr val="tx1"/>
-                </a:solidFill>
-              </a:rPr>
-              <a:t>informatician</a:t>
-            </a:r>
-            <a:r>
-              <a:rPr lang="en-US" altLang="ja-JP" dirty="0" smtClean="0">
-                <a:solidFill>
-                  <a:schemeClr val="tx1"/>
-                </a:solidFill>
-              </a:rPr>
-              <a:t>)</a:t>
+              <a:t>(informatician)</a:t>
             </a:r>
             <a:endParaRPr kumimoji="1" lang="ja-JP" altLang="en-US" dirty="0">
               <a:solidFill>
@@ -9950,7 +11078,7 @@
           <a:lstStyle/>
           <a:p>
             <a:r>
-              <a:rPr kumimoji="1" lang="en-US" altLang="ja-JP" dirty="0" smtClean="0">
+              <a:rPr kumimoji="1" lang="en-US" altLang="ja-JP" dirty="0">
                 <a:solidFill>
                   <a:schemeClr val="accent1"/>
                 </a:solidFill>
@@ -9960,7 +11088,7 @@
           </a:p>
           <a:p>
             <a:r>
-              <a:rPr kumimoji="1" lang="en-US" altLang="ja-JP" dirty="0" smtClean="0">
+              <a:rPr kumimoji="1" lang="en-US" altLang="ja-JP" dirty="0">
                 <a:solidFill>
                   <a:schemeClr val="accent1"/>
                 </a:solidFill>
@@ -9998,7 +11126,7 @@
           <a:lstStyle/>
           <a:p>
             <a:r>
-              <a:rPr kumimoji="1" lang="en-US" altLang="ja-JP" dirty="0" smtClean="0">
+              <a:rPr kumimoji="1" lang="en-US" altLang="ja-JP" dirty="0">
                 <a:solidFill>
                   <a:schemeClr val="accent1"/>
                 </a:solidFill>
@@ -10013,15 +11141,7 @@
                   <a:schemeClr val="accent1"/>
                 </a:solidFill>
               </a:rPr>
-              <a:t>* </a:t>
-            </a:r>
-            <a:r>
-              <a:rPr lang="en-US" altLang="ja-JP" dirty="0" smtClean="0">
-                <a:solidFill>
-                  <a:schemeClr val="accent1"/>
-                </a:solidFill>
-              </a:rPr>
-              <a:t>accurate analysis</a:t>
+              <a:t>* accurate analysis</a:t>
             </a:r>
             <a:endParaRPr kumimoji="1" lang="ja-JP" altLang="en-US" dirty="0">
               <a:solidFill>
@@ -10054,7 +11174,7 @@
           <a:lstStyle/>
           <a:p>
             <a:r>
-              <a:rPr kumimoji="1" lang="en-US" altLang="ja-JP" sz="2400" dirty="0" smtClean="0">
+              <a:rPr kumimoji="1" lang="en-US" altLang="ja-JP" sz="2400" dirty="0">
                 <a:solidFill>
                   <a:schemeClr val="tx1"/>
                 </a:solidFill>
@@ -10077,8 +11197,8 @@
         </p:nvSpPr>
         <p:spPr>
           <a:xfrm>
-            <a:off x="1331242" y="4648434"/>
-            <a:ext cx="1627369" cy="307777"/>
+            <a:off x="326618" y="4375925"/>
+            <a:ext cx="2890535" cy="738664"/>
           </a:xfrm>
           <a:prstGeom prst="rect">
             <a:avLst/>
@@ -10092,12 +11212,40 @@
           <a:lstStyle/>
           <a:p>
             <a:r>
-              <a:rPr kumimoji="1" lang="en-US" altLang="ja-JP" dirty="0" smtClean="0">
+              <a:rPr kumimoji="1" lang="en-US" altLang="ja-JP" dirty="0">
                 <a:solidFill>
                   <a:schemeClr val="accent1"/>
                 </a:solidFill>
               </a:rPr>
-              <a:t>* provide rich data</a:t>
+              <a:t>for all users,</a:t>
+            </a:r>
+          </a:p>
+          <a:p>
+            <a:pPr marL="285750" indent="-285750">
+              <a:buFont typeface="Arial" panose="020B0604020202020204" pitchFamily="34" charset="0"/>
+              <a:buChar char="•"/>
+            </a:pPr>
+            <a:r>
+              <a:rPr kumimoji="1" lang="en-US" altLang="ja-JP" dirty="0">
+                <a:solidFill>
+                  <a:schemeClr val="accent1"/>
+                </a:solidFill>
+              </a:rPr>
+              <a:t>provide rich data</a:t>
+            </a:r>
+          </a:p>
+          <a:p>
+            <a:pPr marL="285750" indent="-285750">
+              <a:buFont typeface="Arial" panose="020B0604020202020204" pitchFamily="34" charset="0"/>
+              <a:buChar char="•"/>
+            </a:pPr>
+            <a:r>
+              <a:rPr kumimoji="1" lang="en-US" altLang="ja-JP" dirty="0">
+                <a:solidFill>
+                  <a:schemeClr val="accent1"/>
+                </a:solidFill>
+              </a:rPr>
+              <a:t>efficient and accurate discover</a:t>
             </a:r>
             <a:endParaRPr kumimoji="1" lang="ja-JP" altLang="en-US" dirty="0">
               <a:solidFill>
@@ -10160,7 +11308,7 @@
           <a:lstStyle/>
           <a:p>
             <a:r>
-              <a:rPr kumimoji="1" lang="en-US" altLang="ja-JP" sz="2400" dirty="0" smtClean="0">
+              <a:rPr kumimoji="1" lang="en-US" altLang="ja-JP" sz="2400" dirty="0">
                 <a:solidFill>
                   <a:srgbClr val="FFC000"/>
                 </a:solidFill>
@@ -10215,7 +11363,7 @@
         </p:nvSpPr>
         <p:spPr>
           <a:xfrm>
-            <a:off x="573569" y="4652642"/>
+            <a:off x="573569" y="4291135"/>
             <a:ext cx="8090676" cy="400110"/>
           </a:xfrm>
           <a:prstGeom prst="rect">
@@ -10230,7 +11378,7 @@
           <a:lstStyle/>
           <a:p>
             <a:r>
-              <a:rPr lang="en-US" altLang="ja-JP" sz="2000" dirty="0" smtClean="0">
+              <a:rPr lang="en-US" altLang="ja-JP" sz="2000" dirty="0">
                 <a:solidFill>
                   <a:srgbClr val="FFC000"/>
                 </a:solidFill>
@@ -10281,7 +11429,7 @@
           <p:nvPr/>
         </p:nvPicPr>
         <p:blipFill>
-          <a:blip r:embed="rId2"/>
+          <a:blip r:embed="rId3"/>
           <a:stretch>
             <a:fillRect/>
           </a:stretch>
@@ -10310,7 +11458,7 @@
           <p:nvPr/>
         </p:nvPicPr>
         <p:blipFill>
-          <a:blip r:embed="rId3"/>
+          <a:blip r:embed="rId4"/>
           <a:stretch>
             <a:fillRect/>
           </a:stretch>
@@ -10383,7 +11531,7 @@
           <a:lstStyle/>
           <a:p>
             <a:r>
-              <a:rPr kumimoji="1" lang="en-US" altLang="ja-JP" sz="2400" dirty="0" smtClean="0">
+              <a:rPr kumimoji="1" lang="en-US" altLang="ja-JP" sz="2400" dirty="0">
                 <a:solidFill>
                   <a:srgbClr val="FFC000"/>
                 </a:solidFill>
@@ -10407,7 +11555,7 @@
         <p:spPr>
           <a:xfrm>
             <a:off x="940232" y="916712"/>
-            <a:ext cx="7787208" cy="461665"/>
+            <a:ext cx="7787208" cy="830997"/>
           </a:xfrm>
           <a:prstGeom prst="rect">
             <a:avLst/>
@@ -10421,14 +11569,14 @@
           <a:lstStyle/>
           <a:p>
             <a:r>
-              <a:rPr lang="en-US" altLang="ja-JP" sz="2400" dirty="0" smtClean="0">
+              <a:rPr lang="en-US" altLang="ja-JP" sz="2400" dirty="0">
                 <a:solidFill>
                   <a:srgbClr val="FFC000"/>
                 </a:solidFill>
               </a:rPr>
-              <a:t>We will try to markup the web page of biological tools.</a:t>
-            </a:r>
-            <a:endParaRPr kumimoji="1" lang="en-US" altLang="ja-JP" sz="2400" dirty="0" smtClean="0">
+              <a:t>We will try to markup the web page of biological databases and tools.</a:t>
+            </a:r>
+            <a:endParaRPr kumimoji="1" lang="en-US" altLang="ja-JP" sz="2400" dirty="0">
               <a:solidFill>
                 <a:srgbClr val="FFC000"/>
               </a:solidFill>
@@ -10503,14 +11651,14 @@
           <a:lstStyle/>
           <a:p>
             <a:r>
-              <a:rPr lang="en-US" altLang="ja-JP" sz="2400" dirty="0" smtClean="0">
+              <a:rPr lang="en-US" altLang="ja-JP" sz="2400" dirty="0">
                 <a:solidFill>
                   <a:srgbClr val="FFC000"/>
                 </a:solidFill>
               </a:rPr>
-              <a:t>Discuss about the markup methods and schema for biological tools.</a:t>
-            </a:r>
-            <a:endParaRPr kumimoji="1" lang="en-US" altLang="ja-JP" sz="2400" dirty="0" smtClean="0">
+              <a:t>Discussion about the markup methods and schema for biological tools.</a:t>
+            </a:r>
+            <a:endParaRPr kumimoji="1" lang="en-US" altLang="ja-JP" sz="2400" dirty="0">
               <a:solidFill>
                 <a:srgbClr val="FFC000"/>
               </a:solidFill>

--- a/interoperability/Putting structured data into individual entry pages in biological database/20181112presentation3.pptx
+++ b/interoperability/Putting structured data into individual entry pages in biological database/20181112presentation3.pptx
@@ -1997,7 +1997,12 @@
             <p:ph type="sldImg"/>
           </p:nvPr>
         </p:nvSpPr>
-        <p:spPr/>
+        <p:spPr>
+          <a:xfrm>
+            <a:off x="381000" y="685800"/>
+            <a:ext cx="6096000" cy="3429000"/>
+          </a:xfrm>
+        </p:spPr>
       </p:sp>
       <p:sp>
         <p:nvSpPr>
@@ -2078,7 +2083,23 @@
                   <a:srgbClr val="FFC000"/>
                 </a:solidFill>
               </a:rPr>
-              <a:t>But actually, not all of recipe schemas are used.</a:t>
+              <a:t>But actually, not all of recipe </a:t>
+            </a:r>
+            <a:r>
+              <a:rPr kumimoji="1" lang="en-US" altLang="ja-JP" sz="1100" baseline="0" dirty="0" smtClean="0">
+                <a:solidFill>
+                  <a:srgbClr val="FFC000"/>
+                </a:solidFill>
+              </a:rPr>
+              <a:t>properties </a:t>
+            </a:r>
+            <a:r>
+              <a:rPr kumimoji="1" lang="en-US" altLang="ja-JP" sz="1100" baseline="0" dirty="0">
+                <a:solidFill>
+                  <a:srgbClr val="FFC000"/>
+                </a:solidFill>
+              </a:rPr>
+              <a:t>are used.</a:t>
             </a:r>
             <a:endParaRPr kumimoji="1" lang="en-US" altLang="ja-JP" sz="1100" dirty="0">
               <a:solidFill>
@@ -2173,7 +2194,15 @@
             </a:pPr>
             <a:r>
               <a:rPr kumimoji="1" lang="en-US" altLang="ja-JP" baseline="0" dirty="0"/>
-              <a:t> provide structured data to schema based search engine.</a:t>
+              <a:t> </a:t>
+            </a:r>
+            <a:r>
+              <a:rPr kumimoji="1" lang="en-US" altLang="ja-JP" baseline="0" dirty="0" smtClean="0"/>
+              <a:t>provide </a:t>
+            </a:r>
+            <a:r>
+              <a:rPr kumimoji="1" lang="en-US" altLang="ja-JP" baseline="0" dirty="0"/>
+              <a:t>structured data to schema based search engine.</a:t>
             </a:r>
           </a:p>
           <a:p>
@@ -2182,8 +2211,21 @@
             </a:pPr>
             <a:r>
               <a:rPr kumimoji="1" lang="en-US" altLang="ja-JP" baseline="0" dirty="0"/>
-              <a:t>  is also provide rich data and efficient and accurate discover for all users</a:t>
-            </a:r>
+              <a:t> </a:t>
+            </a:r>
+            <a:r>
+              <a:rPr kumimoji="1" lang="en-US" altLang="ja-JP" baseline="0" dirty="0" smtClean="0"/>
+              <a:t>It can also </a:t>
+            </a:r>
+            <a:r>
+              <a:rPr kumimoji="1" lang="en-US" altLang="ja-JP" baseline="0" dirty="0"/>
+              <a:t>provide rich data and efficient and accurate discover for all </a:t>
+            </a:r>
+            <a:r>
+              <a:rPr kumimoji="1" lang="en-US" altLang="ja-JP" baseline="0" dirty="0" smtClean="0"/>
+              <a:t>users.</a:t>
+            </a:r>
+            <a:endParaRPr kumimoji="1" lang="en-US" altLang="ja-JP" baseline="0" dirty="0"/>
           </a:p>
           <a:p>
             <a:pPr marL="158750" indent="0">
@@ -2292,7 +2334,23 @@
             </a:pPr>
             <a:r>
               <a:rPr kumimoji="1" lang="en-US" altLang="ja-JP" baseline="0" dirty="0"/>
-              <a:t>We think Some markup schema standards for application tools are establishing.</a:t>
+              <a:t>We </a:t>
+            </a:r>
+            <a:r>
+              <a:rPr kumimoji="1" lang="en-US" altLang="ja-JP" baseline="0" dirty="0" smtClean="0"/>
+              <a:t>know </a:t>
+            </a:r>
+            <a:r>
+              <a:rPr kumimoji="1" lang="en-US" altLang="ja-JP" baseline="0" dirty="0"/>
+              <a:t>s</a:t>
+            </a:r>
+            <a:r>
+              <a:rPr kumimoji="1" lang="en-US" altLang="ja-JP" baseline="0" dirty="0" smtClean="0"/>
+              <a:t>ome </a:t>
+            </a:r>
+            <a:r>
+              <a:rPr kumimoji="1" lang="en-US" altLang="ja-JP" baseline="0" dirty="0"/>
+              <a:t>markup schema standards for application tools are establishing.</a:t>
             </a:r>
           </a:p>
           <a:p>
@@ -7576,6 +7634,13 @@
   <p:clrMapOvr>
     <a:masterClrMapping/>
   </p:clrMapOvr>
+  <p:timing>
+    <p:tnLst>
+      <p:par>
+        <p:cTn id="1" dur="indefinite" restart="never" nodeType="tmRoot"/>
+      </p:par>
+    </p:tnLst>
+  </p:timing>
 </p:sld>
 </file>
 
@@ -7711,6 +7776,13 @@
   <p:clrMapOvr>
     <a:masterClrMapping/>
   </p:clrMapOvr>
+  <p:timing>
+    <p:tnLst>
+      <p:par>
+        <p:cTn id="1" dur="indefinite" restart="never" nodeType="tmRoot"/>
+      </p:par>
+    </p:tnLst>
+  </p:timing>
 </p:sld>
 </file>
 
@@ -7937,6 +8009,13 @@
   <p:clrMapOvr>
     <a:masterClrMapping/>
   </p:clrMapOvr>
+  <p:timing>
+    <p:tnLst>
+      <p:par>
+        <p:cTn id="1" dur="indefinite" restart="never" nodeType="tmRoot"/>
+      </p:par>
+    </p:tnLst>
+  </p:timing>
 </p:sld>
 </file>
 
@@ -8239,6 +8318,13 @@
   <p:clrMapOvr>
     <a:masterClrMapping/>
   </p:clrMapOvr>
+  <p:timing>
+    <p:tnLst>
+      <p:par>
+        <p:cTn id="1" dur="indefinite" restart="never" nodeType="tmRoot"/>
+      </p:par>
+    </p:tnLst>
+  </p:timing>
 </p:sld>
 </file>
 
@@ -8282,6 +8368,10 @@
               <a:rPr lang="en-US" altLang="ja-JP" dirty="0"/>
               <a:t>Database (archive) page example: FANTOM5</a:t>
             </a:r>
+            <a:r>
+              <a:rPr kumimoji="1" lang="ja-JP" altLang="en-US" dirty="0"/>
+              <a:t/>
+            </a:r>
             <a:br>
               <a:rPr kumimoji="1" lang="ja-JP" altLang="en-US" dirty="0"/>
             </a:br>
@@ -8363,6 +8453,13 @@
   <p:clrMapOvr>
     <a:masterClrMapping/>
   </p:clrMapOvr>
+  <p:timing>
+    <p:tnLst>
+      <p:par>
+        <p:cTn id="1" dur="indefinite" restart="never" nodeType="tmRoot"/>
+      </p:par>
+    </p:tnLst>
+  </p:timing>
 </p:sld>
 </file>
 
@@ -8402,6 +8499,10 @@
               <a:rPr kumimoji="1" lang="en-US" altLang="ja-JP" dirty="0"/>
               <a:t>+α Google Dataset Search result</a:t>
             </a:r>
+            <a:r>
+              <a:rPr kumimoji="1" lang="ja-JP" altLang="en-US" dirty="0"/>
+              <a:t/>
+            </a:r>
             <a:br>
               <a:rPr kumimoji="1" lang="ja-JP" altLang="en-US" dirty="0"/>
             </a:br>
@@ -8480,6 +8581,13 @@
   <p:clrMapOvr>
     <a:masterClrMapping/>
   </p:clrMapOvr>
+  <p:timing>
+    <p:tnLst>
+      <p:par>
+        <p:cTn id="1" dur="indefinite" restart="never" nodeType="tmRoot"/>
+      </p:par>
+    </p:tnLst>
+  </p:timing>
 </p:sld>
 </file>
 
@@ -8789,6 +8897,13 @@
   <p:clrMapOvr>
     <a:masterClrMapping/>
   </p:clrMapOvr>
+  <p:timing>
+    <p:tnLst>
+      <p:par>
+        <p:cTn id="1" dur="indefinite" restart="never" nodeType="tmRoot"/>
+      </p:par>
+    </p:tnLst>
+  </p:timing>
 </p:sld>
 </file>
 
@@ -9028,6 +9143,13 @@
   <p:clrMapOvr>
     <a:masterClrMapping/>
   </p:clrMapOvr>
+  <p:timing>
+    <p:tnLst>
+      <p:par>
+        <p:cTn id="1" dur="indefinite" restart="never" nodeType="tmRoot"/>
+      </p:par>
+    </p:tnLst>
+  </p:timing>
 </p:sld>
 </file>
 
@@ -9208,6 +9330,13 @@
   <p:clrMapOvr>
     <a:masterClrMapping/>
   </p:clrMapOvr>
+  <p:timing>
+    <p:tnLst>
+      <p:par>
+        <p:cTn id="1" dur="indefinite" restart="never" nodeType="tmRoot"/>
+      </p:par>
+    </p:tnLst>
+  </p:timing>
 </p:sld>
 </file>
 
@@ -9275,6 +9404,13 @@
   <p:clrMapOvr>
     <a:masterClrMapping/>
   </p:clrMapOvr>
+  <p:timing>
+    <p:tnLst>
+      <p:par>
+        <p:cTn id="1" dur="indefinite" restart="never" nodeType="tmRoot"/>
+      </p:par>
+    </p:tnLst>
+  </p:timing>
 </p:sld>
 </file>
 
@@ -10036,6 +10172,13 @@
   <p:clrMapOvr>
     <a:masterClrMapping/>
   </p:clrMapOvr>
+  <p:timing>
+    <p:tnLst>
+      <p:par>
+        <p:cTn id="1" dur="indefinite" restart="never" nodeType="tmRoot"/>
+      </p:par>
+    </p:tnLst>
+  </p:timing>
 </p:sld>
 </file>
 
@@ -10451,6 +10594,13 @@
   <p:clrMapOvr>
     <a:masterClrMapping/>
   </p:clrMapOvr>
+  <p:timing>
+    <p:tnLst>
+      <p:par>
+        <p:cTn id="1" dur="indefinite" restart="never" nodeType="tmRoot"/>
+      </p:par>
+    </p:tnLst>
+  </p:timing>
 </p:sld>
 </file>
 
@@ -10579,7 +10729,7 @@
         <p:spPr>
           <a:xfrm>
             <a:off x="1292358" y="3973255"/>
-            <a:ext cx="6590266" cy="830997"/>
+            <a:ext cx="6728124" cy="830997"/>
           </a:xfrm>
           <a:prstGeom prst="rect">
             <a:avLst/>
@@ -10616,7 +10766,31 @@
                   <a:srgbClr val="FFC000"/>
                 </a:solidFill>
               </a:rPr>
-              <a:t>Actually, not all of Recipe schemas are used</a:t>
+              <a:t>Actually, not all of Recipe </a:t>
+            </a:r>
+            <a:r>
+              <a:rPr lang="en-US" altLang="ja-JP" sz="2400" dirty="0" smtClean="0">
+                <a:solidFill>
+                  <a:srgbClr val="FFC000"/>
+                </a:solidFill>
+              </a:rPr>
+              <a:t>properties</a:t>
+            </a:r>
+            <a:r>
+              <a:rPr lang="en-US" altLang="ja-JP" sz="2400" dirty="0" smtClean="0">
+                <a:solidFill>
+                  <a:srgbClr val="FFC000"/>
+                </a:solidFill>
+              </a:rPr>
+              <a:t> </a:t>
+            </a:r>
+            <a:r>
+              <a:rPr lang="en-US" altLang="ja-JP" sz="2400" dirty="0">
+                <a:solidFill>
+                  <a:srgbClr val="FFC000"/>
+                </a:solidFill>
+              </a:rPr>
+              <a:t>are used</a:t>
             </a:r>
             <a:endParaRPr kumimoji="1" lang="en-US" altLang="ja-JP" sz="2400" dirty="0">
               <a:solidFill>
@@ -10636,6 +10810,13 @@
   <p:clrMapOvr>
     <a:masterClrMapping/>
   </p:clrMapOvr>
+  <p:timing>
+    <p:tnLst>
+      <p:par>
+        <p:cTn id="1" dur="indefinite" restart="never" nodeType="tmRoot"/>
+      </p:par>
+    </p:tnLst>
+  </p:timing>
 </p:sld>
 </file>
 
@@ -11265,6 +11446,13 @@
   <p:clrMapOvr>
     <a:masterClrMapping/>
   </p:clrMapOvr>
+  <p:timing>
+    <p:tnLst>
+      <p:par>
+        <p:cTn id="1" dur="indefinite" restart="never" nodeType="tmRoot"/>
+      </p:par>
+    </p:tnLst>
+  </p:timing>
 </p:sld>
 </file>
 
@@ -11488,6 +11676,13 @@
   <p:clrMapOvr>
     <a:masterClrMapping/>
   </p:clrMapOvr>
+  <p:timing>
+    <p:tnLst>
+      <p:par>
+        <p:cTn id="1" dur="indefinite" restart="never" nodeType="tmRoot"/>
+      </p:par>
+    </p:tnLst>
+  </p:timing>
 </p:sld>
 </file>
 
@@ -11676,6 +11871,13 @@
   <p:clrMapOvr>
     <a:masterClrMapping/>
   </p:clrMapOvr>
+  <p:timing>
+    <p:tnLst>
+      <p:par>
+        <p:cTn id="1" dur="indefinite" restart="never" nodeType="tmRoot"/>
+      </p:par>
+    </p:tnLst>
+  </p:timing>
 </p:sld>
 </file>
 
